--- a/Trabalhos/Definição Do Problema.pptx
+++ b/Trabalhos/Definição Do Problema.pptx
@@ -106,6 +106,11 @@
       </a:defRPr>
     </a:lvl9pPr>
   </p:defaultTextStyle>
+  <p:extLst>
+    <p:ext uri="{EFAFB233-063F-42B5-8137-9DF3F51BA10A}">
+      <p15:sldGuideLst xmlns:p15="http://schemas.microsoft.com/office/powerpoint/2012/main"/>
+    </p:ext>
+  </p:extLst>
 </p:presentation>
 </file>
 
@@ -355,7 +360,7 @@
             <a:fld id="{B61BEF0D-F0BB-DE4B-95CE-6DB70DBA9567}" type="datetimeFigureOut">
               <a:rPr lang="en-US" dirty="0"/>
               <a:pPr/>
-              <a:t>5/3/2022</a:t>
+              <a:t>5/4/2022</a:t>
             </a:fld>
             <a:endParaRPr lang="en-US" dirty="0"/>
           </a:p>
@@ -614,7 +619,7 @@
             <a:fld id="{B61BEF0D-F0BB-DE4B-95CE-6DB70DBA9567}" type="datetimeFigureOut">
               <a:rPr lang="en-US" dirty="0"/>
               <a:pPr/>
-              <a:t>5/3/2022</a:t>
+              <a:t>5/4/2022</a:t>
             </a:fld>
             <a:endParaRPr lang="en-US" dirty="0"/>
           </a:p>
@@ -846,7 +851,7 @@
             <a:fld id="{B61BEF0D-F0BB-DE4B-95CE-6DB70DBA9567}" type="datetimeFigureOut">
               <a:rPr lang="en-US" dirty="0"/>
               <a:pPr/>
-              <a:t>5/3/2022</a:t>
+              <a:t>5/4/2022</a:t>
             </a:fld>
             <a:endParaRPr lang="en-US" dirty="0"/>
           </a:p>
@@ -1083,7 +1088,7 @@
             <a:fld id="{B61BEF0D-F0BB-DE4B-95CE-6DB70DBA9567}" type="datetimeFigureOut">
               <a:rPr lang="en-US" dirty="0"/>
               <a:pPr/>
-              <a:t>5/3/2022</a:t>
+              <a:t>5/4/2022</a:t>
             </a:fld>
             <a:endParaRPr lang="en-US" dirty="0"/>
           </a:p>
@@ -1387,7 +1392,7 @@
             <a:fld id="{B61BEF0D-F0BB-DE4B-95CE-6DB70DBA9567}" type="datetimeFigureOut">
               <a:rPr lang="en-US" dirty="0"/>
               <a:pPr/>
-              <a:t>5/3/2022</a:t>
+              <a:t>5/4/2022</a:t>
             </a:fld>
             <a:endParaRPr lang="en-US" dirty="0"/>
           </a:p>
@@ -1686,7 +1691,7 @@
             <a:fld id="{B61BEF0D-F0BB-DE4B-95CE-6DB70DBA9567}" type="datetimeFigureOut">
               <a:rPr lang="en-US" dirty="0"/>
               <a:pPr/>
-              <a:t>5/3/2022</a:t>
+              <a:t>5/4/2022</a:t>
             </a:fld>
             <a:endParaRPr lang="en-US" dirty="0"/>
           </a:p>
@@ -2105,7 +2110,7 @@
             <a:fld id="{B61BEF0D-F0BB-DE4B-95CE-6DB70DBA9567}" type="datetimeFigureOut">
               <a:rPr lang="en-US" dirty="0"/>
               <a:pPr/>
-              <a:t>5/3/2022</a:t>
+              <a:t>5/4/2022</a:t>
             </a:fld>
             <a:endParaRPr lang="en-US" dirty="0"/>
           </a:p>
@@ -2197,7 +2202,7 @@
             <a:fld id="{B61BEF0D-F0BB-DE4B-95CE-6DB70DBA9567}" type="datetimeFigureOut">
               <a:rPr lang="en-US" dirty="0"/>
               <a:pPr/>
-              <a:t>5/3/2022</a:t>
+              <a:t>5/4/2022</a:t>
             </a:fld>
             <a:endParaRPr lang="en-US" dirty="0"/>
           </a:p>
@@ -2356,7 +2361,7 @@
             <a:fld id="{B61BEF0D-F0BB-DE4B-95CE-6DB70DBA9567}" type="datetimeFigureOut">
               <a:rPr lang="en-US" dirty="0"/>
               <a:pPr/>
-              <a:t>5/3/2022</a:t>
+              <a:t>5/4/2022</a:t>
             </a:fld>
             <a:endParaRPr lang="en-US" dirty="0"/>
           </a:p>
@@ -2731,7 +2736,7 @@
             <a:fld id="{B61BEF0D-F0BB-DE4B-95CE-6DB70DBA9567}" type="datetimeFigureOut">
               <a:rPr lang="en-US" dirty="0"/>
               <a:pPr/>
-              <a:t>5/3/2022</a:t>
+              <a:t>5/4/2022</a:t>
             </a:fld>
             <a:endParaRPr lang="en-US" dirty="0"/>
           </a:p>
@@ -3017,7 +3022,7 @@
             <a:fld id="{B61BEF0D-F0BB-DE4B-95CE-6DB70DBA9567}" type="datetimeFigureOut">
               <a:rPr lang="en-US" dirty="0"/>
               <a:pPr/>
-              <a:t>5/3/2022</a:t>
+              <a:t>5/4/2022</a:t>
             </a:fld>
             <a:endParaRPr lang="en-US" dirty="0"/>
           </a:p>
@@ -3225,7 +3230,7 @@
             <a:fld id="{B61BEF0D-F0BB-DE4B-95CE-6DB70DBA9567}" type="datetimeFigureOut">
               <a:rPr lang="en-US" dirty="0"/>
               <a:pPr/>
-              <a:t>5/3/2022</a:t>
+              <a:t>5/4/2022</a:t>
             </a:fld>
             <a:endParaRPr lang="en-US" dirty="0"/>
           </a:p>
@@ -3896,8 +3901,8 @@
         </p:nvSpPr>
         <p:spPr>
           <a:xfrm>
-            <a:off x="687896" y="2617364"/>
-            <a:ext cx="3783436" cy="2677656"/>
+            <a:off x="511728" y="2617364"/>
+            <a:ext cx="4148386" cy="3785652"/>
           </a:xfrm>
           <a:prstGeom prst="rect">
             <a:avLst/>
@@ -3926,7 +3931,7 @@
             </a:pPr>
             <a:r>
               <a:rPr lang="pt-BR" sz="2400" dirty="0"/>
-              <a:t>Cidades dispostas ao longo de um círculo de raio variável</a:t>
+              <a:t>Cidades dispostas ao longo um trajeto circular de raio variável</a:t>
             </a:r>
           </a:p>
           <a:p>
@@ -3938,21 +3943,36 @@
               <a:rPr lang="pt-BR" sz="2400" dirty="0"/>
               <a:t>O raio do circulo é: </a:t>
             </a:r>
+          </a:p>
+          <a:p>
             <a:r>
               <a:rPr lang="pt-BR" sz="2400" dirty="0" err="1"/>
               <a:t>triang</a:t>
             </a:r>
             <a:r>
               <a:rPr lang="pt-BR" sz="2400" dirty="0"/>
-              <a:t>(5*</a:t>
+              <a:t>(5 . </a:t>
             </a:r>
             <a:r>
               <a:rPr lang="pt-BR" sz="2400" dirty="0" err="1"/>
-              <a:t>circ</a:t>
+              <a:t>idx_cidade</a:t>
             </a:r>
             <a:r>
               <a:rPr lang="pt-BR" sz="2400" dirty="0"/>
-              <a:t>)</a:t>
+              <a:t>/cidades)</a:t>
+            </a:r>
+          </a:p>
+          <a:p>
+            <a:endParaRPr lang="pt-BR" sz="2400" dirty="0"/>
+          </a:p>
+          <a:p>
+            <a:pPr marL="342900" indent="-342900">
+              <a:buFont typeface="Arial" panose="020B0604020202020204" pitchFamily="34" charset="0"/>
+              <a:buChar char="•"/>
+            </a:pPr>
+            <a:r>
+              <a:rPr lang="pt-BR" sz="2400" dirty="0"/>
+              <a:t>Análise da heurística de melhor caso após troca de T</a:t>
             </a:r>
           </a:p>
         </p:txBody>
@@ -4112,18 +4132,96 @@
           <a:p>
             <a:r>
               <a:rPr lang="pt-BR" sz="3600" cap="none" dirty="0"/>
-              <a:t>Definição Do Problema</a:t>
+              <a:t>Progresso 30 cidades</a:t>
             </a:r>
             <a:endParaRPr lang="pt-BR" sz="3600" dirty="0"/>
+          </a:p>
+        </p:txBody>
+      </p:sp>
+      <p:sp>
+        <p:nvSpPr>
+          <p:cNvPr id="10" name="TextBox 9">
+            <a:extLst>
+              <a:ext uri="{FF2B5EF4-FFF2-40B4-BE49-F238E27FC236}">
+                <a16:creationId xmlns:a16="http://schemas.microsoft.com/office/drawing/2014/main" id="{B8851668-C391-DF64-3494-4E21C41DDED5}"/>
+              </a:ext>
+            </a:extLst>
+          </p:cNvPr>
+          <p:cNvSpPr txBox="1"/>
+          <p:nvPr/>
+        </p:nvSpPr>
+        <p:spPr>
+          <a:xfrm>
+            <a:off x="684991" y="2793481"/>
+            <a:ext cx="2187971" cy="369332"/>
+          </a:xfrm>
+          <a:prstGeom prst="rect">
+            <a:avLst/>
+          </a:prstGeom>
+          <a:noFill/>
+        </p:spPr>
+        <p:txBody>
+          <a:bodyPr wrap="none" rtlCol="0">
+            <a:spAutoFit/>
+          </a:bodyPr>
+          <a:lstStyle/>
+          <a:p>
+            <a:r>
+              <a:rPr lang="pt-BR" dirty="0"/>
+              <a:t>T: 1, N: 1e4, </a:t>
+            </a:r>
+            <a:r>
+              <a:rPr lang="pt-BR" dirty="0" err="1"/>
+              <a:t>Kmax</a:t>
+            </a:r>
+            <a:r>
+              <a:rPr lang="pt-BR" dirty="0"/>
+              <a:t>: 30</a:t>
+            </a:r>
+          </a:p>
+        </p:txBody>
+      </p:sp>
+      <p:sp>
+        <p:nvSpPr>
+          <p:cNvPr id="11" name="TextBox 10">
+            <a:extLst>
+              <a:ext uri="{FF2B5EF4-FFF2-40B4-BE49-F238E27FC236}">
+                <a16:creationId xmlns:a16="http://schemas.microsoft.com/office/drawing/2014/main" id="{8BB628C2-BA54-F791-F23C-0FA33E6EACC6}"/>
+              </a:ext>
+            </a:extLst>
+          </p:cNvPr>
+          <p:cNvSpPr txBox="1"/>
+          <p:nvPr/>
+        </p:nvSpPr>
+        <p:spPr>
+          <a:xfrm>
+            <a:off x="4500691" y="1885386"/>
+            <a:ext cx="1595309" cy="369332"/>
+          </a:xfrm>
+          <a:prstGeom prst="rect">
+            <a:avLst/>
+          </a:prstGeom>
+          <a:noFill/>
+        </p:spPr>
+        <p:txBody>
+          <a:bodyPr wrap="none" rtlCol="0">
+            <a:spAutoFit/>
+          </a:bodyPr>
+          <a:lstStyle/>
+          <a:p>
+            <a:r>
+              <a:rPr lang="pt-BR" dirty="0"/>
+              <a:t>Sem Heurística</a:t>
+            </a:r>
           </a:p>
         </p:txBody>
       </p:sp>
       <p:pic>
         <p:nvPicPr>
-          <p:cNvPr id="15" name="Picture 14">
+          <p:cNvPr id="5" name="Picture 4">
             <a:extLst>
               <a:ext uri="{FF2B5EF4-FFF2-40B4-BE49-F238E27FC236}">
-                <a16:creationId xmlns:a16="http://schemas.microsoft.com/office/drawing/2014/main" id="{AD69806D-6D0B-9926-48BD-F3A5EDEA53FC}"/>
+                <a16:creationId xmlns:a16="http://schemas.microsoft.com/office/drawing/2014/main" id="{FE355720-E8A3-C8D9-9090-72C32A4E4833}"/>
               </a:ext>
             </a:extLst>
           </p:cNvPr>
@@ -4140,20 +4238,55 @@
         </p:blipFill>
         <p:spPr>
           <a:xfrm>
-            <a:off x="6759953" y="2090606"/>
-            <a:ext cx="4762500" cy="1338394"/>
+            <a:off x="2952097" y="2293456"/>
+            <a:ext cx="4494557" cy="1536216"/>
           </a:xfrm>
           <a:prstGeom prst="rect">
             <a:avLst/>
           </a:prstGeom>
         </p:spPr>
       </p:pic>
+      <p:sp>
+        <p:nvSpPr>
+          <p:cNvPr id="16" name="TextBox 15">
+            <a:extLst>
+              <a:ext uri="{FF2B5EF4-FFF2-40B4-BE49-F238E27FC236}">
+                <a16:creationId xmlns:a16="http://schemas.microsoft.com/office/drawing/2014/main" id="{FF6081EF-6301-0174-BBB3-B1E4C3161F57}"/>
+              </a:ext>
+            </a:extLst>
+          </p:cNvPr>
+          <p:cNvSpPr txBox="1"/>
+          <p:nvPr/>
+        </p:nvSpPr>
+        <p:spPr>
+          <a:xfrm>
+            <a:off x="8704974" y="1885386"/>
+            <a:ext cx="1669047" cy="369332"/>
+          </a:xfrm>
+          <a:prstGeom prst="rect">
+            <a:avLst/>
+          </a:prstGeom>
+          <a:noFill/>
+        </p:spPr>
+        <p:txBody>
+          <a:bodyPr wrap="none" rtlCol="0">
+            <a:spAutoFit/>
+          </a:bodyPr>
+          <a:lstStyle/>
+          <a:p>
+            <a:r>
+              <a:rPr lang="pt-BR" dirty="0"/>
+              <a:t>Com Heurística</a:t>
+            </a:r>
+          </a:p>
+        </p:txBody>
+      </p:sp>
       <p:pic>
         <p:nvPicPr>
-          <p:cNvPr id="17" name="Picture 16">
+          <p:cNvPr id="7" name="Picture 6">
             <a:extLst>
               <a:ext uri="{FF2B5EF4-FFF2-40B4-BE49-F238E27FC236}">
-                <a16:creationId xmlns:a16="http://schemas.microsoft.com/office/drawing/2014/main" id="{07E66360-2BAA-BC97-D3F6-654E8A79F73E}"/>
+                <a16:creationId xmlns:a16="http://schemas.microsoft.com/office/drawing/2014/main" id="{0CC9221D-9D32-CFB1-358E-F8500F97CCDA}"/>
               </a:ext>
             </a:extLst>
           </p:cNvPr>
@@ -4170,8 +4303,8 @@
         </p:blipFill>
         <p:spPr>
           <a:xfrm>
-            <a:off x="795381" y="2090606"/>
-            <a:ext cx="4762500" cy="1338394"/>
+            <a:off x="7446654" y="2397873"/>
+            <a:ext cx="4339878" cy="1327381"/>
           </a:xfrm>
           <a:prstGeom prst="rect">
             <a:avLst/>
@@ -4180,10 +4313,10 @@
       </p:pic>
       <p:pic>
         <p:nvPicPr>
-          <p:cNvPr id="31" name="Picture 30">
+          <p:cNvPr id="9" name="Picture 8">
             <a:extLst>
               <a:ext uri="{FF2B5EF4-FFF2-40B4-BE49-F238E27FC236}">
-                <a16:creationId xmlns:a16="http://schemas.microsoft.com/office/drawing/2014/main" id="{97A5D95D-90E8-13AD-1136-FF4508CA4E3D}"/>
+                <a16:creationId xmlns:a16="http://schemas.microsoft.com/office/drawing/2014/main" id="{F9FA8560-29E1-6A53-664F-3363C7DB5ADA}"/>
               </a:ext>
             </a:extLst>
           </p:cNvPr>
@@ -4200,20 +4333,109 @@
         </p:blipFill>
         <p:spPr>
           <a:xfrm>
-            <a:off x="795381" y="5001061"/>
-            <a:ext cx="4762500" cy="1338394"/>
+            <a:off x="2952098" y="3972827"/>
+            <a:ext cx="4500708" cy="1178013"/>
           </a:xfrm>
           <a:prstGeom prst="rect">
             <a:avLst/>
           </a:prstGeom>
         </p:spPr>
       </p:pic>
+      <p:sp>
+        <p:nvSpPr>
+          <p:cNvPr id="20" name="TextBox 19">
+            <a:extLst>
+              <a:ext uri="{FF2B5EF4-FFF2-40B4-BE49-F238E27FC236}">
+                <a16:creationId xmlns:a16="http://schemas.microsoft.com/office/drawing/2014/main" id="{3E858FE5-4448-C4D7-B094-984A7E073DCF}"/>
+              </a:ext>
+            </a:extLst>
+          </p:cNvPr>
+          <p:cNvSpPr txBox="1"/>
+          <p:nvPr/>
+        </p:nvSpPr>
+        <p:spPr>
+          <a:xfrm>
+            <a:off x="601634" y="4240338"/>
+            <a:ext cx="2354684" cy="369332"/>
+          </a:xfrm>
+          <a:prstGeom prst="rect">
+            <a:avLst/>
+          </a:prstGeom>
+          <a:noFill/>
+        </p:spPr>
+        <p:txBody>
+          <a:bodyPr wrap="none" rtlCol="0">
+            <a:spAutoFit/>
+          </a:bodyPr>
+          <a:lstStyle/>
+          <a:p>
+            <a:r>
+              <a:rPr lang="pt-BR" dirty="0"/>
+              <a:t>T: 0.8, N: 1e4, </a:t>
+            </a:r>
+            <a:r>
+              <a:rPr lang="pt-BR" dirty="0" err="1"/>
+              <a:t>Kmax</a:t>
+            </a:r>
+            <a:r>
+              <a:rPr lang="pt-BR" dirty="0"/>
+              <a:t>: 30</a:t>
+            </a:r>
+          </a:p>
+        </p:txBody>
+      </p:sp>
+      <p:sp>
+        <p:nvSpPr>
+          <p:cNvPr id="13" name="Star: 5 Points 12">
+            <a:extLst>
+              <a:ext uri="{FF2B5EF4-FFF2-40B4-BE49-F238E27FC236}">
+                <a16:creationId xmlns:a16="http://schemas.microsoft.com/office/drawing/2014/main" id="{B9C7F74A-36D5-652D-973B-A0A716366338}"/>
+              </a:ext>
+            </a:extLst>
+          </p:cNvPr>
+          <p:cNvSpPr/>
+          <p:nvPr/>
+        </p:nvSpPr>
+        <p:spPr>
+          <a:xfrm>
+            <a:off x="4882393" y="4093828"/>
+            <a:ext cx="251670" cy="226502"/>
+          </a:xfrm>
+          <a:prstGeom prst="star5">
+            <a:avLst/>
+          </a:prstGeom>
+        </p:spPr>
+        <p:style>
+          <a:lnRef idx="2">
+            <a:schemeClr val="accent1">
+              <a:shade val="50000"/>
+            </a:schemeClr>
+          </a:lnRef>
+          <a:fillRef idx="1">
+            <a:schemeClr val="accent1"/>
+          </a:fillRef>
+          <a:effectRef idx="0">
+            <a:schemeClr val="accent1"/>
+          </a:effectRef>
+          <a:fontRef idx="minor">
+            <a:schemeClr val="lt1"/>
+          </a:fontRef>
+        </p:style>
+        <p:txBody>
+          <a:bodyPr rtlCol="0" anchor="ctr"/>
+          <a:lstStyle/>
+          <a:p>
+            <a:pPr algn="ctr"/>
+            <a:endParaRPr lang="pt-BR"/>
+          </a:p>
+        </p:txBody>
+      </p:sp>
       <p:pic>
         <p:nvPicPr>
-          <p:cNvPr id="33" name="Picture 32">
+          <p:cNvPr id="18" name="Picture 17">
             <a:extLst>
               <a:ext uri="{FF2B5EF4-FFF2-40B4-BE49-F238E27FC236}">
-                <a16:creationId xmlns:a16="http://schemas.microsoft.com/office/drawing/2014/main" id="{E2483EAD-6613-13F5-CE44-7CF3E1362573}"/>
+                <a16:creationId xmlns:a16="http://schemas.microsoft.com/office/drawing/2014/main" id="{37D62B48-2AA1-DDF0-DD00-C3FCC7634B8D}"/>
               </a:ext>
             </a:extLst>
           </p:cNvPr>
@@ -4230,20 +4452,63 @@
         </p:blipFill>
         <p:spPr>
           <a:xfrm>
-            <a:off x="795381" y="3545833"/>
-            <a:ext cx="4762500" cy="1338394"/>
+            <a:off x="7446654" y="3793725"/>
+            <a:ext cx="4339878" cy="1536216"/>
           </a:xfrm>
           <a:prstGeom prst="rect">
             <a:avLst/>
           </a:prstGeom>
         </p:spPr>
       </p:pic>
+      <p:sp>
+        <p:nvSpPr>
+          <p:cNvPr id="29" name="TextBox 28">
+            <a:extLst>
+              <a:ext uri="{FF2B5EF4-FFF2-40B4-BE49-F238E27FC236}">
+                <a16:creationId xmlns:a16="http://schemas.microsoft.com/office/drawing/2014/main" id="{CF33E487-853F-92A9-27D6-70CE401B086D}"/>
+              </a:ext>
+            </a:extLst>
+          </p:cNvPr>
+          <p:cNvSpPr txBox="1"/>
+          <p:nvPr/>
+        </p:nvSpPr>
+        <p:spPr>
+          <a:xfrm>
+            <a:off x="601634" y="5786512"/>
+            <a:ext cx="2354684" cy="369332"/>
+          </a:xfrm>
+          <a:prstGeom prst="rect">
+            <a:avLst/>
+          </a:prstGeom>
+          <a:noFill/>
+        </p:spPr>
+        <p:txBody>
+          <a:bodyPr wrap="none" rtlCol="0">
+            <a:spAutoFit/>
+          </a:bodyPr>
+          <a:lstStyle/>
+          <a:p>
+            <a:r>
+              <a:rPr lang="pt-BR" dirty="0"/>
+              <a:t>T: 1.2, N: 1e5, </a:t>
+            </a:r>
+            <a:r>
+              <a:rPr lang="pt-BR" dirty="0" err="1"/>
+              <a:t>Kmax</a:t>
+            </a:r>
+            <a:r>
+              <a:rPr lang="pt-BR" dirty="0"/>
+              <a:t>: 40</a:t>
+            </a:r>
+          </a:p>
+        </p:txBody>
+      </p:sp>
       <p:pic>
         <p:nvPicPr>
-          <p:cNvPr id="35" name="Picture 34">
+          <p:cNvPr id="28" name="Picture 27">
             <a:extLst>
               <a:ext uri="{FF2B5EF4-FFF2-40B4-BE49-F238E27FC236}">
-                <a16:creationId xmlns:a16="http://schemas.microsoft.com/office/drawing/2014/main" id="{AEE31EEE-7E0F-823A-DFC2-C5DA8407ECC7}"/>
+                <a16:creationId xmlns:a16="http://schemas.microsoft.com/office/drawing/2014/main" id="{A6ECBE69-6E8F-FCE1-2E07-7408807C60B4}"/>
               </a:ext>
             </a:extLst>
           </p:cNvPr>
@@ -4260,20 +4525,66 @@
         </p:blipFill>
         <p:spPr>
           <a:xfrm>
-            <a:off x="6634121" y="3545833"/>
-            <a:ext cx="4762500" cy="1264990"/>
+            <a:off x="2986129" y="5293995"/>
+            <a:ext cx="4426493" cy="1413087"/>
           </a:xfrm>
           <a:prstGeom prst="rect">
             <a:avLst/>
           </a:prstGeom>
         </p:spPr>
       </p:pic>
+      <p:sp>
+        <p:nvSpPr>
+          <p:cNvPr id="36" name="Star: 5 Points 35">
+            <a:extLst>
+              <a:ext uri="{FF2B5EF4-FFF2-40B4-BE49-F238E27FC236}">
+                <a16:creationId xmlns:a16="http://schemas.microsoft.com/office/drawing/2014/main" id="{59883892-2715-63E6-32F9-F040F0CDABB5}"/>
+              </a:ext>
+            </a:extLst>
+          </p:cNvPr>
+          <p:cNvSpPr/>
+          <p:nvPr/>
+        </p:nvSpPr>
+        <p:spPr>
+          <a:xfrm>
+            <a:off x="4882393" y="5562962"/>
+            <a:ext cx="251670" cy="226502"/>
+          </a:xfrm>
+          <a:prstGeom prst="star5">
+            <a:avLst/>
+          </a:prstGeom>
+        </p:spPr>
+        <p:style>
+          <a:lnRef idx="2">
+            <a:schemeClr val="accent1">
+              <a:shade val="50000"/>
+            </a:schemeClr>
+          </a:lnRef>
+          <a:fillRef idx="1">
+            <a:schemeClr val="accent1"/>
+          </a:fillRef>
+          <a:effectRef idx="0">
+            <a:schemeClr val="accent1"/>
+          </a:effectRef>
+          <a:fontRef idx="minor">
+            <a:schemeClr val="lt1"/>
+          </a:fontRef>
+        </p:style>
+        <p:txBody>
+          <a:bodyPr rtlCol="0" anchor="ctr"/>
+          <a:lstStyle/>
+          <a:p>
+            <a:pPr algn="ctr"/>
+            <a:endParaRPr lang="pt-BR"/>
+          </a:p>
+        </p:txBody>
+      </p:sp>
       <p:pic>
         <p:nvPicPr>
-          <p:cNvPr id="37" name="Picture 36">
+          <p:cNvPr id="34" name="Picture 33">
             <a:extLst>
               <a:ext uri="{FF2B5EF4-FFF2-40B4-BE49-F238E27FC236}">
-                <a16:creationId xmlns:a16="http://schemas.microsoft.com/office/drawing/2014/main" id="{F8A0026D-285B-666A-A781-A5BE5D2364C2}"/>
+                <a16:creationId xmlns:a16="http://schemas.microsoft.com/office/drawing/2014/main" id="{136D8598-453E-BE29-E436-39F698C71D55}"/>
               </a:ext>
             </a:extLst>
           </p:cNvPr>
@@ -4290,14 +4601,60 @@
         </p:blipFill>
         <p:spPr>
           <a:xfrm>
-            <a:off x="6634121" y="5001061"/>
-            <a:ext cx="4762500" cy="1405975"/>
+            <a:off x="7563080" y="5398412"/>
+            <a:ext cx="4339878" cy="1222964"/>
           </a:xfrm>
           <a:prstGeom prst="rect">
             <a:avLst/>
           </a:prstGeom>
         </p:spPr>
       </p:pic>
+      <p:sp>
+        <p:nvSpPr>
+          <p:cNvPr id="38" name="Star: 5 Points 37">
+            <a:extLst>
+              <a:ext uri="{FF2B5EF4-FFF2-40B4-BE49-F238E27FC236}">
+                <a16:creationId xmlns:a16="http://schemas.microsoft.com/office/drawing/2014/main" id="{555F46D0-DCD9-3367-B33F-1353C43CABF1}"/>
+              </a:ext>
+            </a:extLst>
+          </p:cNvPr>
+          <p:cNvSpPr/>
+          <p:nvPr/>
+        </p:nvSpPr>
+        <p:spPr>
+          <a:xfrm>
+            <a:off x="9439405" y="5560010"/>
+            <a:ext cx="251670" cy="226502"/>
+          </a:xfrm>
+          <a:prstGeom prst="star5">
+            <a:avLst/>
+          </a:prstGeom>
+        </p:spPr>
+        <p:style>
+          <a:lnRef idx="2">
+            <a:schemeClr val="accent1">
+              <a:shade val="50000"/>
+            </a:schemeClr>
+          </a:lnRef>
+          <a:fillRef idx="1">
+            <a:schemeClr val="accent1"/>
+          </a:fillRef>
+          <a:effectRef idx="0">
+            <a:schemeClr val="accent1"/>
+          </a:effectRef>
+          <a:fontRef idx="minor">
+            <a:schemeClr val="lt1"/>
+          </a:fontRef>
+        </p:style>
+        <p:txBody>
+          <a:bodyPr rtlCol="0" anchor="ctr"/>
+          <a:lstStyle/>
+          <a:p>
+            <a:pPr algn="ctr"/>
+            <a:endParaRPr lang="pt-BR"/>
+          </a:p>
+        </p:txBody>
+      </p:sp>
     </p:spTree>
     <p:extLst>
       <p:ext uri="{BB962C8B-B14F-4D97-AF65-F5344CB8AC3E}">
@@ -4374,14 +4731,14 @@
           <p:nvPr>
             <p:extLst>
               <p:ext uri="{D42A27DB-BD31-4B8C-83A1-F6EECF244321}">
-                <p14:modId xmlns:p14="http://schemas.microsoft.com/office/powerpoint/2010/main" val="1573162658"/>
+                <p14:modId xmlns:p14="http://schemas.microsoft.com/office/powerpoint/2010/main" val="563328886"/>
               </p:ext>
             </p:extLst>
           </p:nvPr>
         </p:nvGraphicFramePr>
         <p:xfrm>
-          <a:off x="4784610" y="2617364"/>
-          <a:ext cx="6719494" cy="3337560"/>
+          <a:off x="4658775" y="2273416"/>
+          <a:ext cx="6719494" cy="4079240"/>
         </p:xfrm>
         <a:graphic>
           <a:graphicData uri="http://schemas.openxmlformats.org/drawingml/2006/table">
@@ -4512,7 +4869,7 @@
                     <a:p>
                       <a:r>
                         <a:rPr lang="pt-BR" dirty="0"/>
-                        <a:t>0.0115</a:t>
+                        <a:t>0.01</a:t>
                       </a:r>
                     </a:p>
                   </a:txBody>
@@ -4579,7 +4936,7 @@
                     <a:p>
                       <a:r>
                         <a:rPr lang="pt-BR" dirty="0"/>
-                        <a:t>0.0115</a:t>
+                        <a:t>0.01</a:t>
                       </a:r>
                     </a:p>
                   </a:txBody>
@@ -4663,7 +5020,7 @@
                     <a:p>
                       <a:r>
                         <a:rPr lang="pt-BR" dirty="0"/>
-                        <a:t>0.0329</a:t>
+                        <a:t>0.03</a:t>
                       </a:r>
                     </a:p>
                   </a:txBody>
@@ -4747,7 +5104,7 @@
                     <a:p>
                       <a:r>
                         <a:rPr lang="pt-BR" dirty="0"/>
-                        <a:t>0.0540</a:t>
+                        <a:t>0.05</a:t>
                       </a:r>
                     </a:p>
                   </a:txBody>
@@ -4831,7 +5188,7 @@
                     <a:p>
                       <a:r>
                         <a:rPr lang="pt-BR" dirty="0"/>
-                        <a:t>1.0597</a:t>
+                        <a:t>1.06</a:t>
                       </a:r>
                     </a:p>
                   </a:txBody>
@@ -4915,7 +5272,7 @@
                     <a:p>
                       <a:r>
                         <a:rPr lang="pt-BR" dirty="0"/>
-                        <a:t>0.8639</a:t>
+                        <a:t>0.86</a:t>
                       </a:r>
                     </a:p>
                   </a:txBody>
@@ -4971,7 +5328,10 @@
                     <a:bodyPr/>
                     <a:lstStyle/>
                     <a:p>
-                      <a:endParaRPr lang="pt-BR" dirty="0"/>
+                      <a:r>
+                        <a:rPr lang="pt-BR" dirty="0"/>
+                        <a:t>30</a:t>
+                      </a:r>
                     </a:p>
                   </a:txBody>
                   <a:tcPr/>
@@ -4981,7 +5341,10 @@
                     <a:bodyPr/>
                     <a:lstStyle/>
                     <a:p>
-                      <a:endParaRPr lang="pt-BR" dirty="0"/>
+                      <a:r>
+                        <a:rPr lang="pt-BR" dirty="0"/>
+                        <a:t>Não</a:t>
+                      </a:r>
                     </a:p>
                   </a:txBody>
                   <a:tcPr/>
@@ -4991,7 +5354,10 @@
                     <a:bodyPr/>
                     <a:lstStyle/>
                     <a:p>
-                      <a:endParaRPr lang="pt-BR" dirty="0"/>
+                      <a:r>
+                        <a:rPr lang="pt-BR" dirty="0"/>
+                        <a:t>20.07</a:t>
+                      </a:r>
                     </a:p>
                   </a:txBody>
                   <a:tcPr/>
@@ -5018,7 +5384,18 @@
                         <a:tabLst/>
                         <a:defRPr/>
                       </a:pPr>
-                      <a:endParaRPr lang="pt-BR" dirty="0"/>
+                      <a:r>
+                        <a:rPr lang="pt-BR" dirty="0"/>
+                        <a:t>T: 0.8 N: 1e4, </a:t>
+                      </a:r>
+                      <a:r>
+                        <a:rPr lang="pt-BR" dirty="0" err="1"/>
+                        <a:t>Kmax</a:t>
+                      </a:r>
+                      <a:r>
+                        <a:rPr lang="pt-BR" dirty="0"/>
+                        <a:t>: 30</a:t>
+                      </a:r>
                     </a:p>
                   </a:txBody>
                   <a:tcPr/>
@@ -5035,7 +5412,10 @@
                     <a:bodyPr/>
                     <a:lstStyle/>
                     <a:p>
-                      <a:endParaRPr lang="pt-BR" dirty="0"/>
+                      <a:r>
+                        <a:rPr lang="pt-BR" dirty="0"/>
+                        <a:t>30</a:t>
+                      </a:r>
                     </a:p>
                   </a:txBody>
                   <a:tcPr/>
@@ -5045,7 +5425,10 @@
                     <a:bodyPr/>
                     <a:lstStyle/>
                     <a:p>
-                      <a:endParaRPr lang="pt-BR" dirty="0"/>
+                      <a:r>
+                        <a:rPr lang="pt-BR" dirty="0"/>
+                        <a:t>Sim</a:t>
+                      </a:r>
                     </a:p>
                   </a:txBody>
                   <a:tcPr/>
@@ -5055,7 +5438,10 @@
                     <a:bodyPr/>
                     <a:lstStyle/>
                     <a:p>
-                      <a:endParaRPr lang="pt-BR" dirty="0"/>
+                      <a:r>
+                        <a:rPr lang="pt-BR" dirty="0"/>
+                        <a:t>60.04</a:t>
+                      </a:r>
                     </a:p>
                   </a:txBody>
                   <a:tcPr/>
@@ -5082,7 +5468,18 @@
                         <a:tabLst/>
                         <a:defRPr/>
                       </a:pPr>
-                      <a:endParaRPr lang="pt-BR" dirty="0"/>
+                      <a:r>
+                        <a:rPr lang="pt-BR" dirty="0"/>
+                        <a:t>T: 1.2 N: 1e5, </a:t>
+                      </a:r>
+                      <a:r>
+                        <a:rPr lang="pt-BR" dirty="0" err="1"/>
+                        <a:t>Kmax</a:t>
+                      </a:r>
+                      <a:r>
+                        <a:rPr lang="pt-BR" dirty="0"/>
+                        <a:t>: 40</a:t>
+                      </a:r>
                     </a:p>
                   </a:txBody>
                   <a:tcPr/>
@@ -5093,6 +5490,174 @@
                   </a:ext>
                 </a:extLst>
               </a:tr>
+              <a:tr h="370840">
+                <a:tc>
+                  <a:txBody>
+                    <a:bodyPr/>
+                    <a:lstStyle/>
+                    <a:p>
+                      <a:r>
+                        <a:rPr lang="pt-BR" dirty="0"/>
+                        <a:t>40</a:t>
+                      </a:r>
+                    </a:p>
+                  </a:txBody>
+                  <a:tcPr/>
+                </a:tc>
+                <a:tc>
+                  <a:txBody>
+                    <a:bodyPr/>
+                    <a:lstStyle/>
+                    <a:p>
+                      <a:r>
+                        <a:rPr lang="pt-BR" dirty="0"/>
+                        <a:t>Não</a:t>
+                      </a:r>
+                    </a:p>
+                  </a:txBody>
+                  <a:tcPr/>
+                </a:tc>
+                <a:tc>
+                  <a:txBody>
+                    <a:bodyPr/>
+                    <a:lstStyle/>
+                    <a:p>
+                      <a:r>
+                        <a:rPr lang="pt-BR" dirty="0"/>
+                        <a:t>30.82</a:t>
+                      </a:r>
+                    </a:p>
+                  </a:txBody>
+                  <a:tcPr/>
+                </a:tc>
+                <a:tc>
+                  <a:txBody>
+                    <a:bodyPr/>
+                    <a:lstStyle/>
+                    <a:p>
+                      <a:pPr marL="0" marR="0" lvl="0" indent="0" algn="l" defTabSz="457200" rtl="0" eaLnBrk="1" fontAlgn="auto" latinLnBrk="0" hangingPunct="1">
+                        <a:lnSpc>
+                          <a:spcPct val="100000"/>
+                        </a:lnSpc>
+                        <a:spcBef>
+                          <a:spcPts val="0"/>
+                        </a:spcBef>
+                        <a:spcAft>
+                          <a:spcPts val="0"/>
+                        </a:spcAft>
+                        <a:buClrTx/>
+                        <a:buSzTx/>
+                        <a:buFontTx/>
+                        <a:buNone/>
+                        <a:tabLst/>
+                        <a:defRPr/>
+                      </a:pPr>
+                      <a:r>
+                        <a:rPr lang="pt-BR" dirty="0"/>
+                        <a:t>T: 0.7 N: 1e5, </a:t>
+                      </a:r>
+                      <a:r>
+                        <a:rPr lang="pt-BR" dirty="0" err="1"/>
+                        <a:t>Kmax</a:t>
+                      </a:r>
+                      <a:r>
+                        <a:rPr lang="pt-BR" dirty="0"/>
+                        <a:t>: 30</a:t>
+                      </a:r>
+                    </a:p>
+                  </a:txBody>
+                  <a:tcPr/>
+                </a:tc>
+                <a:extLst>
+                  <a:ext uri="{0D108BD9-81ED-4DB2-BD59-A6C34878D82A}">
+                    <a16:rowId xmlns:a16="http://schemas.microsoft.com/office/drawing/2014/main" val="384430620"/>
+                  </a:ext>
+                </a:extLst>
+              </a:tr>
+              <a:tr h="370840">
+                <a:tc>
+                  <a:txBody>
+                    <a:bodyPr/>
+                    <a:lstStyle/>
+                    <a:p>
+                      <a:r>
+                        <a:rPr lang="pt-BR" dirty="0"/>
+                        <a:t>40</a:t>
+                      </a:r>
+                    </a:p>
+                  </a:txBody>
+                  <a:tcPr/>
+                </a:tc>
+                <a:tc>
+                  <a:txBody>
+                    <a:bodyPr/>
+                    <a:lstStyle/>
+                    <a:p>
+                      <a:r>
+                        <a:rPr lang="pt-BR" dirty="0"/>
+                        <a:t>Sim</a:t>
+                      </a:r>
+                    </a:p>
+                  </a:txBody>
+                  <a:tcPr/>
+                </a:tc>
+                <a:tc>
+                  <a:txBody>
+                    <a:bodyPr/>
+                    <a:lstStyle/>
+                    <a:p>
+                      <a:r>
+                        <a:rPr lang="pt-BR" dirty="0"/>
+                        <a:t>11.74</a:t>
+                      </a:r>
+                    </a:p>
+                  </a:txBody>
+                  <a:tcPr/>
+                </a:tc>
+                <a:tc>
+                  <a:txBody>
+                    <a:bodyPr/>
+                    <a:lstStyle/>
+                    <a:p>
+                      <a:pPr marL="0" marR="0" lvl="0" indent="0" algn="l" defTabSz="457200" rtl="0" eaLnBrk="1" fontAlgn="auto" latinLnBrk="0" hangingPunct="1">
+                        <a:lnSpc>
+                          <a:spcPct val="100000"/>
+                        </a:lnSpc>
+                        <a:spcBef>
+                          <a:spcPts val="0"/>
+                        </a:spcBef>
+                        <a:spcAft>
+                          <a:spcPts val="0"/>
+                        </a:spcAft>
+                        <a:buClrTx/>
+                        <a:buSzTx/>
+                        <a:buFontTx/>
+                        <a:buNone/>
+                        <a:tabLst/>
+                        <a:defRPr/>
+                      </a:pPr>
+                      <a:r>
+                        <a:rPr lang="pt-BR" dirty="0"/>
+                        <a:t>T: 0.4 N: 1e5, </a:t>
+                      </a:r>
+                      <a:r>
+                        <a:rPr lang="pt-BR" dirty="0" err="1"/>
+                        <a:t>Kmax</a:t>
+                      </a:r>
+                      <a:r>
+                        <a:rPr lang="pt-BR" dirty="0"/>
+                        <a:t>: 30</a:t>
+                      </a:r>
+                    </a:p>
+                  </a:txBody>
+                  <a:tcPr/>
+                </a:tc>
+                <a:extLst>
+                  <a:ext uri="{0D108BD9-81ED-4DB2-BD59-A6C34878D82A}">
+                    <a16:rowId xmlns:a16="http://schemas.microsoft.com/office/drawing/2014/main" val="3456854558"/>
+                  </a:ext>
+                </a:extLst>
+              </a:tr>
             </a:tbl>
           </a:graphicData>
         </a:graphic>
@@ -5112,7 +5677,7 @@
         <p:spPr>
           <a:xfrm>
             <a:off x="687896" y="2617364"/>
-            <a:ext cx="3783436" cy="830997"/>
+            <a:ext cx="3783436" cy="1200329"/>
           </a:xfrm>
           <a:prstGeom prst="rect">
             <a:avLst/>
@@ -5131,17 +5696,15 @@
             </a:pPr>
             <a:r>
               <a:rPr lang="pt-BR" sz="2400" dirty="0"/>
-              <a:t>Comentários</a:t>
-            </a:r>
-          </a:p>
-          <a:p>
-            <a:pPr marL="285750" indent="-285750">
-              <a:buFont typeface="Arial" panose="020B0604020202020204" pitchFamily="34" charset="0"/>
-              <a:buChar char="•"/>
-            </a:pPr>
+              <a:t>Comparação de desempenho entre casos de </a:t>
+            </a:r>
+            <a:r>
+              <a:rPr lang="pt-BR" sz="2400" dirty="0" err="1"/>
+              <a:t>Jótimo</a:t>
+            </a:r>
             <a:r>
               <a:rPr lang="pt-BR" sz="2400" dirty="0"/>
-              <a:t>Dúvidas</a:t>
+              <a:t> </a:t>
             </a:r>
           </a:p>
         </p:txBody>

--- a/Trabalhos/Definição Do Problema.pptx
+++ b/Trabalhos/Definição Do Problema.pptx
@@ -5,9 +5,12 @@
     <p:sldMasterId id="2147483648" r:id="rId1"/>
   </p:sldMasterIdLst>
   <p:sldIdLst>
-    <p:sldId id="256" r:id="rId2"/>
-    <p:sldId id="257" r:id="rId3"/>
-    <p:sldId id="258" r:id="rId4"/>
+    <p:sldId id="261" r:id="rId2"/>
+    <p:sldId id="260" r:id="rId3"/>
+    <p:sldId id="257" r:id="rId4"/>
+    <p:sldId id="259" r:id="rId5"/>
+    <p:sldId id="258" r:id="rId6"/>
+    <p:sldId id="262" r:id="rId7"/>
   </p:sldIdLst>
   <p:sldSz cx="12192000" cy="6858000"/>
   <p:notesSz cx="6858000" cy="9144000"/>
@@ -360,7 +363,7 @@
             <a:fld id="{B61BEF0D-F0BB-DE4B-95CE-6DB70DBA9567}" type="datetimeFigureOut">
               <a:rPr lang="en-US" dirty="0"/>
               <a:pPr/>
-              <a:t>5/4/2022</a:t>
+              <a:t>5/11/2022</a:t>
             </a:fld>
             <a:endParaRPr lang="en-US" dirty="0"/>
           </a:p>
@@ -619,7 +622,7 @@
             <a:fld id="{B61BEF0D-F0BB-DE4B-95CE-6DB70DBA9567}" type="datetimeFigureOut">
               <a:rPr lang="en-US" dirty="0"/>
               <a:pPr/>
-              <a:t>5/4/2022</a:t>
+              <a:t>5/11/2022</a:t>
             </a:fld>
             <a:endParaRPr lang="en-US" dirty="0"/>
           </a:p>
@@ -851,7 +854,7 @@
             <a:fld id="{B61BEF0D-F0BB-DE4B-95CE-6DB70DBA9567}" type="datetimeFigureOut">
               <a:rPr lang="en-US" dirty="0"/>
               <a:pPr/>
-              <a:t>5/4/2022</a:t>
+              <a:t>5/11/2022</a:t>
             </a:fld>
             <a:endParaRPr lang="en-US" dirty="0"/>
           </a:p>
@@ -1088,7 +1091,7 @@
             <a:fld id="{B61BEF0D-F0BB-DE4B-95CE-6DB70DBA9567}" type="datetimeFigureOut">
               <a:rPr lang="en-US" dirty="0"/>
               <a:pPr/>
-              <a:t>5/4/2022</a:t>
+              <a:t>5/11/2022</a:t>
             </a:fld>
             <a:endParaRPr lang="en-US" dirty="0"/>
           </a:p>
@@ -1392,7 +1395,7 @@
             <a:fld id="{B61BEF0D-F0BB-DE4B-95CE-6DB70DBA9567}" type="datetimeFigureOut">
               <a:rPr lang="en-US" dirty="0"/>
               <a:pPr/>
-              <a:t>5/4/2022</a:t>
+              <a:t>5/11/2022</a:t>
             </a:fld>
             <a:endParaRPr lang="en-US" dirty="0"/>
           </a:p>
@@ -1691,7 +1694,7 @@
             <a:fld id="{B61BEF0D-F0BB-DE4B-95CE-6DB70DBA9567}" type="datetimeFigureOut">
               <a:rPr lang="en-US" dirty="0"/>
               <a:pPr/>
-              <a:t>5/4/2022</a:t>
+              <a:t>5/11/2022</a:t>
             </a:fld>
             <a:endParaRPr lang="en-US" dirty="0"/>
           </a:p>
@@ -2110,7 +2113,7 @@
             <a:fld id="{B61BEF0D-F0BB-DE4B-95CE-6DB70DBA9567}" type="datetimeFigureOut">
               <a:rPr lang="en-US" dirty="0"/>
               <a:pPr/>
-              <a:t>5/4/2022</a:t>
+              <a:t>5/11/2022</a:t>
             </a:fld>
             <a:endParaRPr lang="en-US" dirty="0"/>
           </a:p>
@@ -2202,7 +2205,7 @@
             <a:fld id="{B61BEF0D-F0BB-DE4B-95CE-6DB70DBA9567}" type="datetimeFigureOut">
               <a:rPr lang="en-US" dirty="0"/>
               <a:pPr/>
-              <a:t>5/4/2022</a:t>
+              <a:t>5/11/2022</a:t>
             </a:fld>
             <a:endParaRPr lang="en-US" dirty="0"/>
           </a:p>
@@ -2361,7 +2364,7 @@
             <a:fld id="{B61BEF0D-F0BB-DE4B-95CE-6DB70DBA9567}" type="datetimeFigureOut">
               <a:rPr lang="en-US" dirty="0"/>
               <a:pPr/>
-              <a:t>5/4/2022</a:t>
+              <a:t>5/11/2022</a:t>
             </a:fld>
             <a:endParaRPr lang="en-US" dirty="0"/>
           </a:p>
@@ -2736,7 +2739,7 @@
             <a:fld id="{B61BEF0D-F0BB-DE4B-95CE-6DB70DBA9567}" type="datetimeFigureOut">
               <a:rPr lang="en-US" dirty="0"/>
               <a:pPr/>
-              <a:t>5/4/2022</a:t>
+              <a:t>5/11/2022</a:t>
             </a:fld>
             <a:endParaRPr lang="en-US" dirty="0"/>
           </a:p>
@@ -3022,7 +3025,7 @@
             <a:fld id="{B61BEF0D-F0BB-DE4B-95CE-6DB70DBA9567}" type="datetimeFigureOut">
               <a:rPr lang="en-US" dirty="0"/>
               <a:pPr/>
-              <a:t>5/4/2022</a:t>
+              <a:t>5/11/2022</a:t>
             </a:fld>
             <a:endParaRPr lang="en-US" dirty="0"/>
           </a:p>
@@ -3230,7 +3233,7 @@
             <a:fld id="{B61BEF0D-F0BB-DE4B-95CE-6DB70DBA9567}" type="datetimeFigureOut">
               <a:rPr lang="en-US" dirty="0"/>
               <a:pPr/>
-              <a:t>5/4/2022</a:t>
+              <a:t>5/11/2022</a:t>
             </a:fld>
             <a:endParaRPr lang="en-US" dirty="0"/>
           </a:p>
@@ -3829,10 +3832,10 @@
       </p:grpSpPr>
       <p:sp>
         <p:nvSpPr>
-          <p:cNvPr id="4" name="Title 3">
+          <p:cNvPr id="2" name="Title 1">
             <a:extLst>
               <a:ext uri="{FF2B5EF4-FFF2-40B4-BE49-F238E27FC236}">
-                <a16:creationId xmlns:a16="http://schemas.microsoft.com/office/drawing/2014/main" id="{27345452-4F37-3F1A-3581-26E95354AC92}"/>
+                <a16:creationId xmlns:a16="http://schemas.microsoft.com/office/drawing/2014/main" id="{56545F33-93F5-14D0-A6CE-0F52A46C881C}"/>
               </a:ext>
             </a:extLst>
           </p:cNvPr>
@@ -3840,247 +3843,349 @@
             <a:spLocks noGrp="1"/>
           </p:cNvSpPr>
           <p:nvPr>
-            <p:ph type="title"/>
+            <p:ph type="ctrTitle"/>
           </p:nvPr>
         </p:nvSpPr>
         <p:spPr/>
         <p:txBody>
           <a:bodyPr>
-            <a:normAutofit/>
+            <a:noAutofit/>
           </a:bodyPr>
           <a:lstStyle/>
           <a:p>
-            <a:r>
-              <a:rPr lang="pt-BR" sz="3600" cap="none" dirty="0"/>
-              <a:t>Definição Do Problema</a:t>
-            </a:r>
-          </a:p>
-        </p:txBody>
-      </p:sp>
-      <p:pic>
-        <p:nvPicPr>
-          <p:cNvPr id="15" name="Picture 14">
+            <a:pPr algn="ctr"/>
+            <a:r>
+              <a:rPr lang="pt-BR" sz="3200" cap="none" dirty="0"/>
+              <a:t>Caixeiro Viajante</a:t>
+            </a:r>
+            <a:br>
+              <a:rPr lang="pt-BR" sz="3200" cap="none" dirty="0"/>
+            </a:br>
+            <a:r>
+              <a:rPr lang="pt-BR" sz="3200" cap="none" dirty="0"/>
+              <a:t>Cidades Dispostas ao Longo de Uma Estrela</a:t>
+            </a:r>
+          </a:p>
+        </p:txBody>
+      </p:sp>
+      <p:sp>
+        <p:nvSpPr>
+          <p:cNvPr id="4" name="Subtitle 3">
             <a:extLst>
               <a:ext uri="{FF2B5EF4-FFF2-40B4-BE49-F238E27FC236}">
-                <a16:creationId xmlns:a16="http://schemas.microsoft.com/office/drawing/2014/main" id="{0A042A77-FAB8-825A-C271-7CBE379ADB01}"/>
+                <a16:creationId xmlns:a16="http://schemas.microsoft.com/office/drawing/2014/main" id="{AF625A0A-3EE7-4398-3B2A-0D964E46FA8F}"/>
               </a:ext>
             </a:extLst>
           </p:cNvPr>
-          <p:cNvPicPr>
-            <a:picLocks noChangeAspect="1"/>
-          </p:cNvPicPr>
+          <p:cNvSpPr>
+            <a:spLocks noGrp="1"/>
+          </p:cNvSpPr>
+          <p:nvPr>
+            <p:ph type="subTitle" idx="1"/>
+          </p:nvPr>
+        </p:nvSpPr>
+        <p:spPr/>
+        <p:txBody>
+          <a:bodyPr/>
+          <a:lstStyle/>
+          <a:p>
+            <a:endParaRPr lang="pt-BR" dirty="0"/>
+          </a:p>
+        </p:txBody>
+      </p:sp>
+      <p:sp>
+        <p:nvSpPr>
+          <p:cNvPr id="5" name="Subtitle 2">
+            <a:extLst>
+              <a:ext uri="{FF2B5EF4-FFF2-40B4-BE49-F238E27FC236}">
+                <a16:creationId xmlns:a16="http://schemas.microsoft.com/office/drawing/2014/main" id="{EABA8EE0-0D8E-015C-6CA4-617CB9F59ACA}"/>
+              </a:ext>
+            </a:extLst>
+          </p:cNvPr>
+          <p:cNvSpPr txBox="1">
+            <a:spLocks/>
+          </p:cNvSpPr>
           <p:nvPr/>
-        </p:nvPicPr>
-        <p:blipFill>
-          <a:blip r:embed="rId2"/>
-          <a:stretch>
-            <a:fillRect/>
-          </a:stretch>
-        </p:blipFill>
-        <p:spPr>
-          <a:xfrm>
-            <a:off x="4737370" y="2952925"/>
-            <a:ext cx="3386487" cy="3259367"/>
+        </p:nvSpPr>
+        <p:spPr>
+          <a:xfrm>
+            <a:off x="581194" y="3593990"/>
+            <a:ext cx="10993546" cy="2647784"/>
           </a:xfrm>
           <a:prstGeom prst="rect">
             <a:avLst/>
           </a:prstGeom>
         </p:spPr>
-      </p:pic>
-      <p:sp>
-        <p:nvSpPr>
-          <p:cNvPr id="16" name="TextBox 15">
-            <a:extLst>
-              <a:ext uri="{FF2B5EF4-FFF2-40B4-BE49-F238E27FC236}">
-                <a16:creationId xmlns:a16="http://schemas.microsoft.com/office/drawing/2014/main" id="{3706E2C6-CF4B-1E47-CB6E-4EF3834EC275}"/>
-              </a:ext>
-            </a:extLst>
-          </p:cNvPr>
-          <p:cNvSpPr txBox="1"/>
-          <p:nvPr/>
-        </p:nvSpPr>
-        <p:spPr>
-          <a:xfrm>
-            <a:off x="511728" y="2617364"/>
-            <a:ext cx="4148386" cy="3785652"/>
-          </a:xfrm>
-          <a:prstGeom prst="rect">
-            <a:avLst/>
-          </a:prstGeom>
-          <a:noFill/>
-        </p:spPr>
-        <p:txBody>
-          <a:bodyPr wrap="square" rtlCol="0">
-            <a:spAutoFit/>
+        <p:txBody>
+          <a:bodyPr vert="horz" lIns="91440" tIns="45720" rIns="91440" bIns="45720" rtlCol="0" anchor="t">
+            <a:normAutofit/>
           </a:bodyPr>
-          <a:lstStyle/>
-          <a:p>
-            <a:pPr marL="285750" indent="-285750">
-              <a:buFont typeface="Arial" panose="020B0604020202020204" pitchFamily="34" charset="0"/>
-              <a:buChar char="•"/>
-            </a:pPr>
-            <a:r>
-              <a:rPr lang="pt-BR" sz="2400" dirty="0"/>
-              <a:t>Problema do Caixeiro Viajante</a:t>
-            </a:r>
-          </a:p>
-          <a:p>
-            <a:pPr marL="285750" indent="-285750">
-              <a:buFont typeface="Arial" panose="020B0604020202020204" pitchFamily="34" charset="0"/>
-              <a:buChar char="•"/>
-            </a:pPr>
-            <a:r>
-              <a:rPr lang="pt-BR" sz="2400" dirty="0"/>
-              <a:t>Cidades dispostas ao longo um trajeto circular de raio variável</a:t>
-            </a:r>
-          </a:p>
-          <a:p>
-            <a:pPr marL="285750" indent="-285750">
-              <a:buFont typeface="Arial" panose="020B0604020202020204" pitchFamily="34" charset="0"/>
-              <a:buChar char="•"/>
-            </a:pPr>
-            <a:r>
-              <a:rPr lang="pt-BR" sz="2400" dirty="0"/>
-              <a:t>O raio do circulo é: </a:t>
-            </a:r>
-          </a:p>
-          <a:p>
-            <a:r>
-              <a:rPr lang="pt-BR" sz="2400" dirty="0" err="1"/>
-              <a:t>triang</a:t>
-            </a:r>
-            <a:r>
-              <a:rPr lang="pt-BR" sz="2400" dirty="0"/>
-              <a:t>(5 . </a:t>
-            </a:r>
-            <a:r>
-              <a:rPr lang="pt-BR" sz="2400" dirty="0" err="1"/>
-              <a:t>idx_cidade</a:t>
-            </a:r>
-            <a:r>
-              <a:rPr lang="pt-BR" sz="2400" dirty="0"/>
-              <a:t>/cidades)</a:t>
-            </a:r>
-          </a:p>
-          <a:p>
-            <a:endParaRPr lang="pt-BR" sz="2400" dirty="0"/>
-          </a:p>
-          <a:p>
-            <a:pPr marL="342900" indent="-342900">
-              <a:buFont typeface="Arial" panose="020B0604020202020204" pitchFamily="34" charset="0"/>
-              <a:buChar char="•"/>
-            </a:pPr>
-            <a:r>
-              <a:rPr lang="pt-BR" sz="2400" dirty="0"/>
-              <a:t>Análise da heurística de melhor caso após troca de T</a:t>
-            </a:r>
-          </a:p>
-        </p:txBody>
-      </p:sp>
-      <p:sp>
-        <p:nvSpPr>
-          <p:cNvPr id="17" name="TextBox 16">
-            <a:extLst>
-              <a:ext uri="{FF2B5EF4-FFF2-40B4-BE49-F238E27FC236}">
-                <a16:creationId xmlns:a16="http://schemas.microsoft.com/office/drawing/2014/main" id="{FBA809EF-F6D5-9453-60EA-7C7E6F9AE8DC}"/>
-              </a:ext>
-            </a:extLst>
-          </p:cNvPr>
-          <p:cNvSpPr txBox="1"/>
-          <p:nvPr/>
-        </p:nvSpPr>
-        <p:spPr>
-          <a:xfrm>
-            <a:off x="5818105" y="2349025"/>
-            <a:ext cx="1225015" cy="369332"/>
-          </a:xfrm>
-          <a:prstGeom prst="rect">
-            <a:avLst/>
-          </a:prstGeom>
-          <a:noFill/>
-        </p:spPr>
-        <p:txBody>
-          <a:bodyPr wrap="none" rtlCol="0">
-            <a:spAutoFit/>
-          </a:bodyPr>
-          <a:lstStyle/>
-          <a:p>
-            <a:r>
-              <a:rPr lang="pt-BR" dirty="0"/>
-              <a:t>10 Cidades</a:t>
-            </a:r>
-          </a:p>
-        </p:txBody>
-      </p:sp>
-      <p:sp>
-        <p:nvSpPr>
-          <p:cNvPr id="18" name="TextBox 17">
-            <a:extLst>
-              <a:ext uri="{FF2B5EF4-FFF2-40B4-BE49-F238E27FC236}">
-                <a16:creationId xmlns:a16="http://schemas.microsoft.com/office/drawing/2014/main" id="{126C3258-2FA4-2376-5ECE-20130ADF73EB}"/>
-              </a:ext>
-            </a:extLst>
-          </p:cNvPr>
-          <p:cNvSpPr txBox="1"/>
-          <p:nvPr/>
-        </p:nvSpPr>
-        <p:spPr>
-          <a:xfrm>
-            <a:off x="9233885" y="2349025"/>
-            <a:ext cx="1340432" cy="369332"/>
-          </a:xfrm>
-          <a:prstGeom prst="rect">
-            <a:avLst/>
-          </a:prstGeom>
-          <a:noFill/>
-        </p:spPr>
-        <p:txBody>
-          <a:bodyPr wrap="none" rtlCol="0">
-            <a:spAutoFit/>
-          </a:bodyPr>
-          <a:lstStyle/>
-          <a:p>
-            <a:r>
-              <a:rPr lang="pt-BR" dirty="0"/>
-              <a:t>100 Cidades</a:t>
-            </a:r>
-          </a:p>
-        </p:txBody>
-      </p:sp>
-      <p:pic>
-        <p:nvPicPr>
-          <p:cNvPr id="20" name="Picture 19">
-            <a:extLst>
-              <a:ext uri="{FF2B5EF4-FFF2-40B4-BE49-F238E27FC236}">
-                <a16:creationId xmlns:a16="http://schemas.microsoft.com/office/drawing/2014/main" id="{3B64AA45-1771-AB71-33B8-604C56F872EC}"/>
-              </a:ext>
-            </a:extLst>
-          </p:cNvPr>
-          <p:cNvPicPr>
-            <a:picLocks noChangeAspect="1"/>
-          </p:cNvPicPr>
-          <p:nvPr/>
-        </p:nvPicPr>
-        <p:blipFill>
-          <a:blip r:embed="rId3"/>
-          <a:stretch>
-            <a:fillRect/>
-          </a:stretch>
-        </p:blipFill>
-        <p:spPr>
-          <a:xfrm>
-            <a:off x="8201113" y="2891227"/>
-            <a:ext cx="3409695" cy="3321065"/>
-          </a:xfrm>
-          <a:prstGeom prst="rect">
-            <a:avLst/>
-          </a:prstGeom>
-        </p:spPr>
-      </p:pic>
+          <a:lstStyle>
+            <a:lvl1pPr marL="0" indent="0" algn="l" defTabSz="457200" rtl="0" eaLnBrk="1" latinLnBrk="0" hangingPunct="1">
+              <a:spcBef>
+                <a:spcPct val="20000"/>
+              </a:spcBef>
+              <a:spcAft>
+                <a:spcPts val="600"/>
+              </a:spcAft>
+              <a:buClr>
+                <a:schemeClr val="accent2"/>
+              </a:buClr>
+              <a:buSzPct val="92000"/>
+              <a:buFont typeface="Wingdings 2" panose="05020102010507070707" pitchFamily="18" charset="2"/>
+              <a:buNone/>
+              <a:defRPr sz="1600" kern="1200" cap="all">
+                <a:solidFill>
+                  <a:schemeClr val="accent2"/>
+                </a:solidFill>
+                <a:latin typeface="+mn-lt"/>
+                <a:ea typeface="+mn-ea"/>
+                <a:cs typeface="+mn-cs"/>
+              </a:defRPr>
+            </a:lvl1pPr>
+            <a:lvl2pPr marL="457200" indent="0" algn="ctr" defTabSz="457200" rtl="0" eaLnBrk="1" latinLnBrk="0" hangingPunct="1">
+              <a:spcBef>
+                <a:spcPct val="20000"/>
+              </a:spcBef>
+              <a:spcAft>
+                <a:spcPts val="600"/>
+              </a:spcAft>
+              <a:buClr>
+                <a:schemeClr val="accent2"/>
+              </a:buClr>
+              <a:buSzPct val="92000"/>
+              <a:buFont typeface="Wingdings 2" panose="05020102010507070707" pitchFamily="18" charset="2"/>
+              <a:buNone/>
+              <a:defRPr sz="1600" kern="1200">
+                <a:solidFill>
+                  <a:schemeClr val="tx1">
+                    <a:tint val="75000"/>
+                  </a:schemeClr>
+                </a:solidFill>
+                <a:latin typeface="+mn-lt"/>
+                <a:ea typeface="+mn-ea"/>
+                <a:cs typeface="+mn-cs"/>
+              </a:defRPr>
+            </a:lvl2pPr>
+            <a:lvl3pPr marL="914400" indent="0" algn="ctr" defTabSz="457200" rtl="0" eaLnBrk="1" latinLnBrk="0" hangingPunct="1">
+              <a:spcBef>
+                <a:spcPct val="20000"/>
+              </a:spcBef>
+              <a:spcAft>
+                <a:spcPts val="600"/>
+              </a:spcAft>
+              <a:buClr>
+                <a:schemeClr val="accent2"/>
+              </a:buClr>
+              <a:buSzPct val="92000"/>
+              <a:buFont typeface="Wingdings 2" panose="05020102010507070707" pitchFamily="18" charset="2"/>
+              <a:buNone/>
+              <a:defRPr sz="1400" kern="1200">
+                <a:solidFill>
+                  <a:schemeClr val="tx1">
+                    <a:tint val="75000"/>
+                  </a:schemeClr>
+                </a:solidFill>
+                <a:latin typeface="+mn-lt"/>
+                <a:ea typeface="+mn-ea"/>
+                <a:cs typeface="+mn-cs"/>
+              </a:defRPr>
+            </a:lvl3pPr>
+            <a:lvl4pPr marL="1371600" indent="0" algn="ctr" defTabSz="457200" rtl="0" eaLnBrk="1" latinLnBrk="0" hangingPunct="1">
+              <a:spcBef>
+                <a:spcPct val="20000"/>
+              </a:spcBef>
+              <a:spcAft>
+                <a:spcPts val="600"/>
+              </a:spcAft>
+              <a:buClr>
+                <a:schemeClr val="accent2"/>
+              </a:buClr>
+              <a:buSzPct val="92000"/>
+              <a:buFont typeface="Wingdings 2" panose="05020102010507070707" pitchFamily="18" charset="2"/>
+              <a:buNone/>
+              <a:defRPr sz="1200" kern="1200">
+                <a:solidFill>
+                  <a:schemeClr val="tx1">
+                    <a:tint val="75000"/>
+                  </a:schemeClr>
+                </a:solidFill>
+                <a:latin typeface="+mn-lt"/>
+                <a:ea typeface="+mn-ea"/>
+                <a:cs typeface="+mn-cs"/>
+              </a:defRPr>
+            </a:lvl4pPr>
+            <a:lvl5pPr marL="1828800" indent="0" algn="ctr" defTabSz="457200" rtl="0" eaLnBrk="1" latinLnBrk="0" hangingPunct="1">
+              <a:spcBef>
+                <a:spcPct val="20000"/>
+              </a:spcBef>
+              <a:spcAft>
+                <a:spcPts val="600"/>
+              </a:spcAft>
+              <a:buClr>
+                <a:schemeClr val="accent2"/>
+              </a:buClr>
+              <a:buSzPct val="92000"/>
+              <a:buFont typeface="Wingdings 2" panose="05020102010507070707" pitchFamily="18" charset="2"/>
+              <a:buNone/>
+              <a:defRPr sz="1200" kern="1200">
+                <a:solidFill>
+                  <a:schemeClr val="tx1">
+                    <a:tint val="75000"/>
+                  </a:schemeClr>
+                </a:solidFill>
+                <a:latin typeface="+mn-lt"/>
+                <a:ea typeface="+mn-ea"/>
+                <a:cs typeface="+mn-cs"/>
+              </a:defRPr>
+            </a:lvl5pPr>
+            <a:lvl6pPr marL="2286000" indent="0" algn="ctr" defTabSz="457200" rtl="0" eaLnBrk="1" latinLnBrk="0" hangingPunct="1">
+              <a:spcBef>
+                <a:spcPct val="20000"/>
+              </a:spcBef>
+              <a:spcAft>
+                <a:spcPts val="600"/>
+              </a:spcAft>
+              <a:buClr>
+                <a:schemeClr val="accent2"/>
+              </a:buClr>
+              <a:buSzPct val="92000"/>
+              <a:buFont typeface="Wingdings 2" panose="05020102010507070707" pitchFamily="18" charset="2"/>
+              <a:buNone/>
+              <a:defRPr sz="1200" kern="1200">
+                <a:solidFill>
+                  <a:schemeClr val="tx1">
+                    <a:tint val="75000"/>
+                  </a:schemeClr>
+                </a:solidFill>
+                <a:latin typeface="+mn-lt"/>
+                <a:ea typeface="+mn-ea"/>
+                <a:cs typeface="+mn-cs"/>
+              </a:defRPr>
+            </a:lvl6pPr>
+            <a:lvl7pPr marL="2743200" indent="0" algn="ctr" defTabSz="457200" rtl="0" eaLnBrk="1" latinLnBrk="0" hangingPunct="1">
+              <a:spcBef>
+                <a:spcPct val="20000"/>
+              </a:spcBef>
+              <a:spcAft>
+                <a:spcPts val="600"/>
+              </a:spcAft>
+              <a:buClr>
+                <a:schemeClr val="accent2"/>
+              </a:buClr>
+              <a:buSzPct val="92000"/>
+              <a:buFont typeface="Wingdings 2" panose="05020102010507070707" pitchFamily="18" charset="2"/>
+              <a:buNone/>
+              <a:defRPr sz="1200" kern="1200">
+                <a:solidFill>
+                  <a:schemeClr val="tx1">
+                    <a:tint val="75000"/>
+                  </a:schemeClr>
+                </a:solidFill>
+                <a:latin typeface="+mn-lt"/>
+                <a:ea typeface="+mn-ea"/>
+                <a:cs typeface="+mn-cs"/>
+              </a:defRPr>
+            </a:lvl7pPr>
+            <a:lvl8pPr marL="3200400" indent="0" algn="ctr" defTabSz="457200" rtl="0" eaLnBrk="1" latinLnBrk="0" hangingPunct="1">
+              <a:spcBef>
+                <a:spcPct val="20000"/>
+              </a:spcBef>
+              <a:spcAft>
+                <a:spcPts val="600"/>
+              </a:spcAft>
+              <a:buClr>
+                <a:schemeClr val="accent2"/>
+              </a:buClr>
+              <a:buSzPct val="92000"/>
+              <a:buFont typeface="Wingdings 2" panose="05020102010507070707" pitchFamily="18" charset="2"/>
+              <a:buNone/>
+              <a:defRPr sz="1200" kern="1200">
+                <a:solidFill>
+                  <a:schemeClr val="tx1">
+                    <a:tint val="75000"/>
+                  </a:schemeClr>
+                </a:solidFill>
+                <a:latin typeface="+mn-lt"/>
+                <a:ea typeface="+mn-ea"/>
+                <a:cs typeface="+mn-cs"/>
+              </a:defRPr>
+            </a:lvl8pPr>
+            <a:lvl9pPr marL="3657600" indent="0" algn="ctr" defTabSz="457200" rtl="0" eaLnBrk="1" latinLnBrk="0" hangingPunct="1">
+              <a:spcBef>
+                <a:spcPct val="20000"/>
+              </a:spcBef>
+              <a:spcAft>
+                <a:spcPts val="600"/>
+              </a:spcAft>
+              <a:buClr>
+                <a:schemeClr val="accent2"/>
+              </a:buClr>
+              <a:buSzPct val="92000"/>
+              <a:buFont typeface="Wingdings 2" panose="05020102010507070707" pitchFamily="18" charset="2"/>
+              <a:buNone/>
+              <a:defRPr sz="1200" kern="1200">
+                <a:solidFill>
+                  <a:schemeClr val="tx1">
+                    <a:tint val="75000"/>
+                  </a:schemeClr>
+                </a:solidFill>
+                <a:latin typeface="+mn-lt"/>
+                <a:ea typeface="+mn-ea"/>
+                <a:cs typeface="+mn-cs"/>
+              </a:defRPr>
+            </a:lvl9pPr>
+          </a:lstStyle>
+          <a:p>
+            <a:pPr algn="ctr"/>
+            <a:r>
+              <a:rPr lang="pt-BR" sz="2400" cap="none" dirty="0">
+                <a:solidFill>
+                  <a:schemeClr val="bg1"/>
+                </a:solidFill>
+              </a:rPr>
+              <a:t>Universidade Federal Do Rio De Janeiro</a:t>
+            </a:r>
+          </a:p>
+          <a:p>
+            <a:pPr algn="ctr"/>
+            <a:r>
+              <a:rPr lang="pt-BR" sz="2400" cap="none" dirty="0">
+                <a:solidFill>
+                  <a:schemeClr val="bg1"/>
+                </a:solidFill>
+              </a:rPr>
+              <a:t>Programa de Engenharia Elétrica</a:t>
+            </a:r>
+          </a:p>
+          <a:p>
+            <a:pPr algn="ctr"/>
+            <a:r>
+              <a:rPr lang="pt-BR" sz="2400" cap="none" dirty="0">
+                <a:solidFill>
+                  <a:schemeClr val="bg1"/>
+                </a:solidFill>
+              </a:rPr>
+              <a:t>Otimização Natural</a:t>
+            </a:r>
+          </a:p>
+          <a:p>
+            <a:pPr algn="ctr"/>
+            <a:r>
+              <a:rPr lang="pt-BR" sz="2400" cap="none" dirty="0">
+                <a:solidFill>
+                  <a:schemeClr val="bg1"/>
+                </a:solidFill>
+              </a:rPr>
+              <a:t>Victor Raposo Ravaglia De Oliveira</a:t>
+            </a:r>
+          </a:p>
+        </p:txBody>
+      </p:sp>
     </p:spTree>
     <p:extLst>
       <p:ext uri="{BB962C8B-B14F-4D97-AF65-F5344CB8AC3E}">
-        <p14:creationId xmlns:p14="http://schemas.microsoft.com/office/powerpoint/2010/main" val="589798739"/>
+        <p14:creationId xmlns:p14="http://schemas.microsoft.com/office/powerpoint/2010/main" val="694623163"/>
       </p:ext>
     </p:extLst>
   </p:cSld>
@@ -4132,18 +4237,17 @@
           <a:p>
             <a:r>
               <a:rPr lang="pt-BR" sz="3600" cap="none" dirty="0"/>
-              <a:t>Progresso 30 cidades</a:t>
-            </a:r>
-            <a:endParaRPr lang="pt-BR" sz="3600" dirty="0"/>
-          </a:p>
-        </p:txBody>
-      </p:sp>
-      <p:sp>
-        <p:nvSpPr>
-          <p:cNvPr id="10" name="TextBox 9">
+              <a:t>Definição Do Problema</a:t>
+            </a:r>
+          </a:p>
+        </p:txBody>
+      </p:sp>
+      <p:sp>
+        <p:nvSpPr>
+          <p:cNvPr id="16" name="TextBox 15">
             <a:extLst>
               <a:ext uri="{FF2B5EF4-FFF2-40B4-BE49-F238E27FC236}">
-                <a16:creationId xmlns:a16="http://schemas.microsoft.com/office/drawing/2014/main" id="{B8851668-C391-DF64-3494-4E21C41DDED5}"/>
+                <a16:creationId xmlns:a16="http://schemas.microsoft.com/office/drawing/2014/main" id="{3706E2C6-CF4B-1E47-CB6E-4EF3834EC275}"/>
               </a:ext>
             </a:extLst>
           </p:cNvPr>
@@ -4152,8 +4256,8 @@
         </p:nvSpPr>
         <p:spPr>
           <a:xfrm>
-            <a:off x="684991" y="2793481"/>
-            <a:ext cx="2187971" cy="369332"/>
+            <a:off x="511727" y="2617364"/>
+            <a:ext cx="5796793" cy="1938992"/>
           </a:xfrm>
           <a:prstGeom prst="rect">
             <a:avLst/>
@@ -4161,32 +4265,48 @@
           <a:noFill/>
         </p:spPr>
         <p:txBody>
-          <a:bodyPr wrap="none" rtlCol="0">
+          <a:bodyPr wrap="square" rtlCol="0">
             <a:spAutoFit/>
           </a:bodyPr>
           <a:lstStyle/>
           <a:p>
-            <a:r>
-              <a:rPr lang="pt-BR" dirty="0"/>
-              <a:t>T: 1, N: 1e4, </a:t>
-            </a:r>
-            <a:r>
-              <a:rPr lang="pt-BR" dirty="0" err="1"/>
-              <a:t>Kmax</a:t>
-            </a:r>
-            <a:r>
-              <a:rPr lang="pt-BR" dirty="0"/>
-              <a:t>: 30</a:t>
-            </a:r>
-          </a:p>
-        </p:txBody>
-      </p:sp>
-      <p:sp>
-        <p:nvSpPr>
-          <p:cNvPr id="11" name="TextBox 10">
+            <a:pPr marL="285750" indent="-285750">
+              <a:buFont typeface="Arial" panose="020B0604020202020204" pitchFamily="34" charset="0"/>
+              <a:buChar char="•"/>
+            </a:pPr>
+            <a:r>
+              <a:rPr lang="pt-BR" sz="2400" dirty="0"/>
+              <a:t>Problema do Caixeiro Viajante</a:t>
+            </a:r>
+          </a:p>
+          <a:p>
+            <a:pPr marL="285750" indent="-285750">
+              <a:buFont typeface="Arial" panose="020B0604020202020204" pitchFamily="34" charset="0"/>
+              <a:buChar char="•"/>
+            </a:pPr>
+            <a:r>
+              <a:rPr lang="pt-BR" sz="2400" dirty="0"/>
+              <a:t>Cidades dispostas ao longo um trajeto em forma de estrela</a:t>
+            </a:r>
+          </a:p>
+          <a:p>
+            <a:pPr marL="342900" indent="-342900">
+              <a:buFont typeface="Arial" panose="020B0604020202020204" pitchFamily="34" charset="0"/>
+              <a:buChar char="•"/>
+            </a:pPr>
+            <a:r>
+              <a:rPr lang="pt-BR" sz="2400" dirty="0"/>
+              <a:t>Análise da heurística de melhor caso após troca de T</a:t>
+            </a:r>
+          </a:p>
+        </p:txBody>
+      </p:sp>
+      <p:sp>
+        <p:nvSpPr>
+          <p:cNvPr id="18" name="TextBox 17">
             <a:extLst>
               <a:ext uri="{FF2B5EF4-FFF2-40B4-BE49-F238E27FC236}">
-                <a16:creationId xmlns:a16="http://schemas.microsoft.com/office/drawing/2014/main" id="{8BB628C2-BA54-F791-F23C-0FA33E6EACC6}"/>
+                <a16:creationId xmlns:a16="http://schemas.microsoft.com/office/drawing/2014/main" id="{126C3258-2FA4-2376-5ECE-20130ADF73EB}"/>
               </a:ext>
             </a:extLst>
           </p:cNvPr>
@@ -4195,8 +4315,8 @@
         </p:nvSpPr>
         <p:spPr>
           <a:xfrm>
-            <a:off x="4500691" y="1885386"/>
-            <a:ext cx="1595309" cy="369332"/>
+            <a:off x="8369819" y="2292577"/>
+            <a:ext cx="1340432" cy="369332"/>
           </a:xfrm>
           <a:prstGeom prst="rect">
             <a:avLst/>
@@ -4211,17 +4331,17 @@
           <a:p>
             <a:r>
               <a:rPr lang="pt-BR" dirty="0"/>
-              <a:t>Sem Heurística</a:t>
+              <a:t>100 Cidades</a:t>
             </a:r>
           </a:p>
         </p:txBody>
       </p:sp>
       <p:pic>
         <p:nvPicPr>
-          <p:cNvPr id="5" name="Picture 4">
+          <p:cNvPr id="20" name="Picture 19">
             <a:extLst>
               <a:ext uri="{FF2B5EF4-FFF2-40B4-BE49-F238E27FC236}">
-                <a16:creationId xmlns:a16="http://schemas.microsoft.com/office/drawing/2014/main" id="{FE355720-E8A3-C8D9-9090-72C32A4E4833}"/>
+                <a16:creationId xmlns:a16="http://schemas.microsoft.com/office/drawing/2014/main" id="{3B64AA45-1771-AB71-33B8-604C56F872EC}"/>
               </a:ext>
             </a:extLst>
           </p:cNvPr>
@@ -4238,427 +4358,18 @@
         </p:blipFill>
         <p:spPr>
           <a:xfrm>
-            <a:off x="2952097" y="2293456"/>
-            <a:ext cx="4494557" cy="1536216"/>
+            <a:off x="7337047" y="2834779"/>
+            <a:ext cx="3409695" cy="3321065"/>
           </a:xfrm>
           <a:prstGeom prst="rect">
             <a:avLst/>
           </a:prstGeom>
         </p:spPr>
       </p:pic>
-      <p:sp>
-        <p:nvSpPr>
-          <p:cNvPr id="16" name="TextBox 15">
-            <a:extLst>
-              <a:ext uri="{FF2B5EF4-FFF2-40B4-BE49-F238E27FC236}">
-                <a16:creationId xmlns:a16="http://schemas.microsoft.com/office/drawing/2014/main" id="{FF6081EF-6301-0174-BBB3-B1E4C3161F57}"/>
-              </a:ext>
-            </a:extLst>
-          </p:cNvPr>
-          <p:cNvSpPr txBox="1"/>
-          <p:nvPr/>
-        </p:nvSpPr>
-        <p:spPr>
-          <a:xfrm>
-            <a:off x="8704974" y="1885386"/>
-            <a:ext cx="1669047" cy="369332"/>
-          </a:xfrm>
-          <a:prstGeom prst="rect">
-            <a:avLst/>
-          </a:prstGeom>
-          <a:noFill/>
-        </p:spPr>
-        <p:txBody>
-          <a:bodyPr wrap="none" rtlCol="0">
-            <a:spAutoFit/>
-          </a:bodyPr>
-          <a:lstStyle/>
-          <a:p>
-            <a:r>
-              <a:rPr lang="pt-BR" dirty="0"/>
-              <a:t>Com Heurística</a:t>
-            </a:r>
-          </a:p>
-        </p:txBody>
-      </p:sp>
-      <p:pic>
-        <p:nvPicPr>
-          <p:cNvPr id="7" name="Picture 6">
-            <a:extLst>
-              <a:ext uri="{FF2B5EF4-FFF2-40B4-BE49-F238E27FC236}">
-                <a16:creationId xmlns:a16="http://schemas.microsoft.com/office/drawing/2014/main" id="{0CC9221D-9D32-CFB1-358E-F8500F97CCDA}"/>
-              </a:ext>
-            </a:extLst>
-          </p:cNvPr>
-          <p:cNvPicPr>
-            <a:picLocks noChangeAspect="1"/>
-          </p:cNvPicPr>
-          <p:nvPr/>
-        </p:nvPicPr>
-        <p:blipFill>
-          <a:blip r:embed="rId3"/>
-          <a:stretch>
-            <a:fillRect/>
-          </a:stretch>
-        </p:blipFill>
-        <p:spPr>
-          <a:xfrm>
-            <a:off x="7446654" y="2397873"/>
-            <a:ext cx="4339878" cy="1327381"/>
-          </a:xfrm>
-          <a:prstGeom prst="rect">
-            <a:avLst/>
-          </a:prstGeom>
-        </p:spPr>
-      </p:pic>
-      <p:pic>
-        <p:nvPicPr>
-          <p:cNvPr id="9" name="Picture 8">
-            <a:extLst>
-              <a:ext uri="{FF2B5EF4-FFF2-40B4-BE49-F238E27FC236}">
-                <a16:creationId xmlns:a16="http://schemas.microsoft.com/office/drawing/2014/main" id="{F9FA8560-29E1-6A53-664F-3363C7DB5ADA}"/>
-              </a:ext>
-            </a:extLst>
-          </p:cNvPr>
-          <p:cNvPicPr>
-            <a:picLocks noChangeAspect="1"/>
-          </p:cNvPicPr>
-          <p:nvPr/>
-        </p:nvPicPr>
-        <p:blipFill>
-          <a:blip r:embed="rId4"/>
-          <a:stretch>
-            <a:fillRect/>
-          </a:stretch>
-        </p:blipFill>
-        <p:spPr>
-          <a:xfrm>
-            <a:off x="2952098" y="3972827"/>
-            <a:ext cx="4500708" cy="1178013"/>
-          </a:xfrm>
-          <a:prstGeom prst="rect">
-            <a:avLst/>
-          </a:prstGeom>
-        </p:spPr>
-      </p:pic>
-      <p:sp>
-        <p:nvSpPr>
-          <p:cNvPr id="20" name="TextBox 19">
-            <a:extLst>
-              <a:ext uri="{FF2B5EF4-FFF2-40B4-BE49-F238E27FC236}">
-                <a16:creationId xmlns:a16="http://schemas.microsoft.com/office/drawing/2014/main" id="{3E858FE5-4448-C4D7-B094-984A7E073DCF}"/>
-              </a:ext>
-            </a:extLst>
-          </p:cNvPr>
-          <p:cNvSpPr txBox="1"/>
-          <p:nvPr/>
-        </p:nvSpPr>
-        <p:spPr>
-          <a:xfrm>
-            <a:off x="601634" y="4240338"/>
-            <a:ext cx="2354684" cy="369332"/>
-          </a:xfrm>
-          <a:prstGeom prst="rect">
-            <a:avLst/>
-          </a:prstGeom>
-          <a:noFill/>
-        </p:spPr>
-        <p:txBody>
-          <a:bodyPr wrap="none" rtlCol="0">
-            <a:spAutoFit/>
-          </a:bodyPr>
-          <a:lstStyle/>
-          <a:p>
-            <a:r>
-              <a:rPr lang="pt-BR" dirty="0"/>
-              <a:t>T: 0.8, N: 1e4, </a:t>
-            </a:r>
-            <a:r>
-              <a:rPr lang="pt-BR" dirty="0" err="1"/>
-              <a:t>Kmax</a:t>
-            </a:r>
-            <a:r>
-              <a:rPr lang="pt-BR" dirty="0"/>
-              <a:t>: 30</a:t>
-            </a:r>
-          </a:p>
-        </p:txBody>
-      </p:sp>
-      <p:sp>
-        <p:nvSpPr>
-          <p:cNvPr id="13" name="Star: 5 Points 12">
-            <a:extLst>
-              <a:ext uri="{FF2B5EF4-FFF2-40B4-BE49-F238E27FC236}">
-                <a16:creationId xmlns:a16="http://schemas.microsoft.com/office/drawing/2014/main" id="{B9C7F74A-36D5-652D-973B-A0A716366338}"/>
-              </a:ext>
-            </a:extLst>
-          </p:cNvPr>
-          <p:cNvSpPr/>
-          <p:nvPr/>
-        </p:nvSpPr>
-        <p:spPr>
-          <a:xfrm>
-            <a:off x="4882393" y="4093828"/>
-            <a:ext cx="251670" cy="226502"/>
-          </a:xfrm>
-          <a:prstGeom prst="star5">
-            <a:avLst/>
-          </a:prstGeom>
-        </p:spPr>
-        <p:style>
-          <a:lnRef idx="2">
-            <a:schemeClr val="accent1">
-              <a:shade val="50000"/>
-            </a:schemeClr>
-          </a:lnRef>
-          <a:fillRef idx="1">
-            <a:schemeClr val="accent1"/>
-          </a:fillRef>
-          <a:effectRef idx="0">
-            <a:schemeClr val="accent1"/>
-          </a:effectRef>
-          <a:fontRef idx="minor">
-            <a:schemeClr val="lt1"/>
-          </a:fontRef>
-        </p:style>
-        <p:txBody>
-          <a:bodyPr rtlCol="0" anchor="ctr"/>
-          <a:lstStyle/>
-          <a:p>
-            <a:pPr algn="ctr"/>
-            <a:endParaRPr lang="pt-BR"/>
-          </a:p>
-        </p:txBody>
-      </p:sp>
-      <p:pic>
-        <p:nvPicPr>
-          <p:cNvPr id="18" name="Picture 17">
-            <a:extLst>
-              <a:ext uri="{FF2B5EF4-FFF2-40B4-BE49-F238E27FC236}">
-                <a16:creationId xmlns:a16="http://schemas.microsoft.com/office/drawing/2014/main" id="{37D62B48-2AA1-DDF0-DD00-C3FCC7634B8D}"/>
-              </a:ext>
-            </a:extLst>
-          </p:cNvPr>
-          <p:cNvPicPr>
-            <a:picLocks noChangeAspect="1"/>
-          </p:cNvPicPr>
-          <p:nvPr/>
-        </p:nvPicPr>
-        <p:blipFill>
-          <a:blip r:embed="rId5"/>
-          <a:stretch>
-            <a:fillRect/>
-          </a:stretch>
-        </p:blipFill>
-        <p:spPr>
-          <a:xfrm>
-            <a:off x="7446654" y="3793725"/>
-            <a:ext cx="4339878" cy="1536216"/>
-          </a:xfrm>
-          <a:prstGeom prst="rect">
-            <a:avLst/>
-          </a:prstGeom>
-        </p:spPr>
-      </p:pic>
-      <p:sp>
-        <p:nvSpPr>
-          <p:cNvPr id="29" name="TextBox 28">
-            <a:extLst>
-              <a:ext uri="{FF2B5EF4-FFF2-40B4-BE49-F238E27FC236}">
-                <a16:creationId xmlns:a16="http://schemas.microsoft.com/office/drawing/2014/main" id="{CF33E487-853F-92A9-27D6-70CE401B086D}"/>
-              </a:ext>
-            </a:extLst>
-          </p:cNvPr>
-          <p:cNvSpPr txBox="1"/>
-          <p:nvPr/>
-        </p:nvSpPr>
-        <p:spPr>
-          <a:xfrm>
-            <a:off x="601634" y="5786512"/>
-            <a:ext cx="2354684" cy="369332"/>
-          </a:xfrm>
-          <a:prstGeom prst="rect">
-            <a:avLst/>
-          </a:prstGeom>
-          <a:noFill/>
-        </p:spPr>
-        <p:txBody>
-          <a:bodyPr wrap="none" rtlCol="0">
-            <a:spAutoFit/>
-          </a:bodyPr>
-          <a:lstStyle/>
-          <a:p>
-            <a:r>
-              <a:rPr lang="pt-BR" dirty="0"/>
-              <a:t>T: 1.2, N: 1e5, </a:t>
-            </a:r>
-            <a:r>
-              <a:rPr lang="pt-BR" dirty="0" err="1"/>
-              <a:t>Kmax</a:t>
-            </a:r>
-            <a:r>
-              <a:rPr lang="pt-BR" dirty="0"/>
-              <a:t>: 40</a:t>
-            </a:r>
-          </a:p>
-        </p:txBody>
-      </p:sp>
-      <p:pic>
-        <p:nvPicPr>
-          <p:cNvPr id="28" name="Picture 27">
-            <a:extLst>
-              <a:ext uri="{FF2B5EF4-FFF2-40B4-BE49-F238E27FC236}">
-                <a16:creationId xmlns:a16="http://schemas.microsoft.com/office/drawing/2014/main" id="{A6ECBE69-6E8F-FCE1-2E07-7408807C60B4}"/>
-              </a:ext>
-            </a:extLst>
-          </p:cNvPr>
-          <p:cNvPicPr>
-            <a:picLocks noChangeAspect="1"/>
-          </p:cNvPicPr>
-          <p:nvPr/>
-        </p:nvPicPr>
-        <p:blipFill>
-          <a:blip r:embed="rId6"/>
-          <a:stretch>
-            <a:fillRect/>
-          </a:stretch>
-        </p:blipFill>
-        <p:spPr>
-          <a:xfrm>
-            <a:off x="2986129" y="5293995"/>
-            <a:ext cx="4426493" cy="1413087"/>
-          </a:xfrm>
-          <a:prstGeom prst="rect">
-            <a:avLst/>
-          </a:prstGeom>
-        </p:spPr>
-      </p:pic>
-      <p:sp>
-        <p:nvSpPr>
-          <p:cNvPr id="36" name="Star: 5 Points 35">
-            <a:extLst>
-              <a:ext uri="{FF2B5EF4-FFF2-40B4-BE49-F238E27FC236}">
-                <a16:creationId xmlns:a16="http://schemas.microsoft.com/office/drawing/2014/main" id="{59883892-2715-63E6-32F9-F040F0CDABB5}"/>
-              </a:ext>
-            </a:extLst>
-          </p:cNvPr>
-          <p:cNvSpPr/>
-          <p:nvPr/>
-        </p:nvSpPr>
-        <p:spPr>
-          <a:xfrm>
-            <a:off x="4882393" y="5562962"/>
-            <a:ext cx="251670" cy="226502"/>
-          </a:xfrm>
-          <a:prstGeom prst="star5">
-            <a:avLst/>
-          </a:prstGeom>
-        </p:spPr>
-        <p:style>
-          <a:lnRef idx="2">
-            <a:schemeClr val="accent1">
-              <a:shade val="50000"/>
-            </a:schemeClr>
-          </a:lnRef>
-          <a:fillRef idx="1">
-            <a:schemeClr val="accent1"/>
-          </a:fillRef>
-          <a:effectRef idx="0">
-            <a:schemeClr val="accent1"/>
-          </a:effectRef>
-          <a:fontRef idx="minor">
-            <a:schemeClr val="lt1"/>
-          </a:fontRef>
-        </p:style>
-        <p:txBody>
-          <a:bodyPr rtlCol="0" anchor="ctr"/>
-          <a:lstStyle/>
-          <a:p>
-            <a:pPr algn="ctr"/>
-            <a:endParaRPr lang="pt-BR"/>
-          </a:p>
-        </p:txBody>
-      </p:sp>
-      <p:pic>
-        <p:nvPicPr>
-          <p:cNvPr id="34" name="Picture 33">
-            <a:extLst>
-              <a:ext uri="{FF2B5EF4-FFF2-40B4-BE49-F238E27FC236}">
-                <a16:creationId xmlns:a16="http://schemas.microsoft.com/office/drawing/2014/main" id="{136D8598-453E-BE29-E436-39F698C71D55}"/>
-              </a:ext>
-            </a:extLst>
-          </p:cNvPr>
-          <p:cNvPicPr>
-            <a:picLocks noChangeAspect="1"/>
-          </p:cNvPicPr>
-          <p:nvPr/>
-        </p:nvPicPr>
-        <p:blipFill>
-          <a:blip r:embed="rId7"/>
-          <a:stretch>
-            <a:fillRect/>
-          </a:stretch>
-        </p:blipFill>
-        <p:spPr>
-          <a:xfrm>
-            <a:off x="7563080" y="5398412"/>
-            <a:ext cx="4339878" cy="1222964"/>
-          </a:xfrm>
-          <a:prstGeom prst="rect">
-            <a:avLst/>
-          </a:prstGeom>
-        </p:spPr>
-      </p:pic>
-      <p:sp>
-        <p:nvSpPr>
-          <p:cNvPr id="38" name="Star: 5 Points 37">
-            <a:extLst>
-              <a:ext uri="{FF2B5EF4-FFF2-40B4-BE49-F238E27FC236}">
-                <a16:creationId xmlns:a16="http://schemas.microsoft.com/office/drawing/2014/main" id="{555F46D0-DCD9-3367-B33F-1353C43CABF1}"/>
-              </a:ext>
-            </a:extLst>
-          </p:cNvPr>
-          <p:cNvSpPr/>
-          <p:nvPr/>
-        </p:nvSpPr>
-        <p:spPr>
-          <a:xfrm>
-            <a:off x="9439405" y="5560010"/>
-            <a:ext cx="251670" cy="226502"/>
-          </a:xfrm>
-          <a:prstGeom prst="star5">
-            <a:avLst/>
-          </a:prstGeom>
-        </p:spPr>
-        <p:style>
-          <a:lnRef idx="2">
-            <a:schemeClr val="accent1">
-              <a:shade val="50000"/>
-            </a:schemeClr>
-          </a:lnRef>
-          <a:fillRef idx="1">
-            <a:schemeClr val="accent1"/>
-          </a:fillRef>
-          <a:effectRef idx="0">
-            <a:schemeClr val="accent1"/>
-          </a:effectRef>
-          <a:fontRef idx="minor">
-            <a:schemeClr val="lt1"/>
-          </a:fontRef>
-        </p:style>
-        <p:txBody>
-          <a:bodyPr rtlCol="0" anchor="ctr"/>
-          <a:lstStyle/>
-          <a:p>
-            <a:pPr algn="ctr"/>
-            <a:endParaRPr lang="pt-BR"/>
-          </a:p>
-        </p:txBody>
-      </p:sp>
     </p:spTree>
     <p:extLst>
       <p:ext uri="{BB962C8B-B14F-4D97-AF65-F5344CB8AC3E}">
-        <p14:creationId xmlns:p14="http://schemas.microsoft.com/office/powerpoint/2010/main" val="3131259887"/>
+        <p14:creationId xmlns:p14="http://schemas.microsoft.com/office/powerpoint/2010/main" val="1965491415"/>
       </p:ext>
     </p:extLst>
   </p:cSld>
@@ -4710,7 +4421,942 @@
           <a:p>
             <a:r>
               <a:rPr lang="pt-BR" sz="3600" cap="none" dirty="0"/>
-              <a:t>Resultados Preliminares</a:t>
+              <a:t>Usar Heurística? Melhor não. Exemplo 200 cidades:</a:t>
+            </a:r>
+            <a:endParaRPr lang="pt-BR" sz="3600" dirty="0"/>
+          </a:p>
+        </p:txBody>
+      </p:sp>
+      <p:sp>
+        <p:nvSpPr>
+          <p:cNvPr id="16" name="TextBox 15">
+            <a:extLst>
+              <a:ext uri="{FF2B5EF4-FFF2-40B4-BE49-F238E27FC236}">
+                <a16:creationId xmlns:a16="http://schemas.microsoft.com/office/drawing/2014/main" id="{FF6081EF-6301-0174-BBB3-B1E4C3161F57}"/>
+              </a:ext>
+            </a:extLst>
+          </p:cNvPr>
+          <p:cNvSpPr txBox="1"/>
+          <p:nvPr/>
+        </p:nvSpPr>
+        <p:spPr>
+          <a:xfrm>
+            <a:off x="8334837" y="2085288"/>
+            <a:ext cx="1669047" cy="369332"/>
+          </a:xfrm>
+          <a:prstGeom prst="rect">
+            <a:avLst/>
+          </a:prstGeom>
+          <a:noFill/>
+        </p:spPr>
+        <p:txBody>
+          <a:bodyPr wrap="none" rtlCol="0">
+            <a:spAutoFit/>
+          </a:bodyPr>
+          <a:lstStyle/>
+          <a:p>
+            <a:r>
+              <a:rPr lang="pt-BR" dirty="0"/>
+              <a:t>Com Heurística</a:t>
+            </a:r>
+          </a:p>
+        </p:txBody>
+      </p:sp>
+      <p:sp>
+        <p:nvSpPr>
+          <p:cNvPr id="17" name="TextBox 16">
+            <a:extLst>
+              <a:ext uri="{FF2B5EF4-FFF2-40B4-BE49-F238E27FC236}">
+                <a16:creationId xmlns:a16="http://schemas.microsoft.com/office/drawing/2014/main" id="{063C368D-420A-85F1-1C26-CE73A09FB7CB}"/>
+              </a:ext>
+            </a:extLst>
+          </p:cNvPr>
+          <p:cNvSpPr txBox="1"/>
+          <p:nvPr/>
+        </p:nvSpPr>
+        <p:spPr>
+          <a:xfrm>
+            <a:off x="8075374" y="2490936"/>
+            <a:ext cx="2470100" cy="369332"/>
+          </a:xfrm>
+          <a:prstGeom prst="rect">
+            <a:avLst/>
+          </a:prstGeom>
+          <a:noFill/>
+        </p:spPr>
+        <p:txBody>
+          <a:bodyPr wrap="none" rtlCol="0">
+            <a:spAutoFit/>
+          </a:bodyPr>
+          <a:lstStyle/>
+          <a:p>
+            <a:r>
+              <a:rPr lang="pt-BR" dirty="0"/>
+              <a:t>T: 0.2, N: 1e5, </a:t>
+            </a:r>
+            <a:r>
+              <a:rPr lang="pt-BR" dirty="0" err="1"/>
+              <a:t>Kmax</a:t>
+            </a:r>
+            <a:r>
+              <a:rPr lang="pt-BR" dirty="0"/>
+              <a:t>: 500</a:t>
+            </a:r>
+          </a:p>
+        </p:txBody>
+      </p:sp>
+      <p:pic>
+        <p:nvPicPr>
+          <p:cNvPr id="14" name="Picture 13">
+            <a:extLst>
+              <a:ext uri="{FF2B5EF4-FFF2-40B4-BE49-F238E27FC236}">
+                <a16:creationId xmlns:a16="http://schemas.microsoft.com/office/drawing/2014/main" id="{265AA114-988C-334A-19CB-2607FAD0A4FF}"/>
+              </a:ext>
+            </a:extLst>
+          </p:cNvPr>
+          <p:cNvPicPr>
+            <a:picLocks noChangeAspect="1"/>
+          </p:cNvPicPr>
+          <p:nvPr/>
+        </p:nvPicPr>
+        <p:blipFill>
+          <a:blip r:embed="rId2"/>
+          <a:stretch>
+            <a:fillRect/>
+          </a:stretch>
+        </p:blipFill>
+        <p:spPr>
+          <a:xfrm>
+            <a:off x="6445473" y="2964166"/>
+            <a:ext cx="5567816" cy="2783908"/>
+          </a:xfrm>
+          <a:prstGeom prst="rect">
+            <a:avLst/>
+          </a:prstGeom>
+        </p:spPr>
+      </p:pic>
+      <p:sp>
+        <p:nvSpPr>
+          <p:cNvPr id="24" name="TextBox 23">
+            <a:extLst>
+              <a:ext uri="{FF2B5EF4-FFF2-40B4-BE49-F238E27FC236}">
+                <a16:creationId xmlns:a16="http://schemas.microsoft.com/office/drawing/2014/main" id="{EE20A923-D082-780E-E3F3-0B61C9A7FB7B}"/>
+              </a:ext>
+            </a:extLst>
+          </p:cNvPr>
+          <p:cNvSpPr txBox="1"/>
+          <p:nvPr/>
+        </p:nvSpPr>
+        <p:spPr>
+          <a:xfrm rot="16200000">
+            <a:off x="5883140" y="4171453"/>
+            <a:ext cx="755335" cy="369332"/>
+          </a:xfrm>
+          <a:prstGeom prst="rect">
+            <a:avLst/>
+          </a:prstGeom>
+          <a:noFill/>
+        </p:spPr>
+        <p:txBody>
+          <a:bodyPr wrap="none" rtlCol="0">
+            <a:spAutoFit/>
+          </a:bodyPr>
+          <a:lstStyle/>
+          <a:p>
+            <a:r>
+              <a:rPr lang="pt-BR" dirty="0"/>
+              <a:t>Custo</a:t>
+            </a:r>
+          </a:p>
+        </p:txBody>
+      </p:sp>
+      <p:sp>
+        <p:nvSpPr>
+          <p:cNvPr id="25" name="TextBox 24">
+            <a:extLst>
+              <a:ext uri="{FF2B5EF4-FFF2-40B4-BE49-F238E27FC236}">
+                <a16:creationId xmlns:a16="http://schemas.microsoft.com/office/drawing/2014/main" id="{677E90E2-CC62-F9ED-2121-BBB5F80D7482}"/>
+              </a:ext>
+            </a:extLst>
+          </p:cNvPr>
+          <p:cNvSpPr txBox="1"/>
+          <p:nvPr/>
+        </p:nvSpPr>
+        <p:spPr>
+          <a:xfrm>
+            <a:off x="8787684" y="5852020"/>
+            <a:ext cx="1045479" cy="369332"/>
+          </a:xfrm>
+          <a:prstGeom prst="rect">
+            <a:avLst/>
+          </a:prstGeom>
+          <a:noFill/>
+        </p:spPr>
+        <p:txBody>
+          <a:bodyPr wrap="none" rtlCol="0">
+            <a:spAutoFit/>
+          </a:bodyPr>
+          <a:lstStyle/>
+          <a:p>
+            <a:r>
+              <a:rPr lang="pt-BR" dirty="0"/>
+              <a:t>Iterações</a:t>
+            </a:r>
+          </a:p>
+        </p:txBody>
+      </p:sp>
+      <p:sp>
+        <p:nvSpPr>
+          <p:cNvPr id="26" name="TextBox 25">
+            <a:extLst>
+              <a:ext uri="{FF2B5EF4-FFF2-40B4-BE49-F238E27FC236}">
+                <a16:creationId xmlns:a16="http://schemas.microsoft.com/office/drawing/2014/main" id="{AA2A1958-9D5A-81BF-0DDE-959331F9C19B}"/>
+              </a:ext>
+            </a:extLst>
+          </p:cNvPr>
+          <p:cNvSpPr txBox="1"/>
+          <p:nvPr/>
+        </p:nvSpPr>
+        <p:spPr>
+          <a:xfrm>
+            <a:off x="2397690" y="2085288"/>
+            <a:ext cx="1595309" cy="369332"/>
+          </a:xfrm>
+          <a:prstGeom prst="rect">
+            <a:avLst/>
+          </a:prstGeom>
+          <a:noFill/>
+        </p:spPr>
+        <p:txBody>
+          <a:bodyPr wrap="none" rtlCol="0">
+            <a:spAutoFit/>
+          </a:bodyPr>
+          <a:lstStyle/>
+          <a:p>
+            <a:r>
+              <a:rPr lang="pt-BR" dirty="0"/>
+              <a:t>Sem Heurística</a:t>
+            </a:r>
+          </a:p>
+        </p:txBody>
+      </p:sp>
+      <p:sp>
+        <p:nvSpPr>
+          <p:cNvPr id="27" name="TextBox 26">
+            <a:extLst>
+              <a:ext uri="{FF2B5EF4-FFF2-40B4-BE49-F238E27FC236}">
+                <a16:creationId xmlns:a16="http://schemas.microsoft.com/office/drawing/2014/main" id="{1DFBA9E4-37A6-0D99-A5B9-160CF5DDB17A}"/>
+              </a:ext>
+            </a:extLst>
+          </p:cNvPr>
+          <p:cNvSpPr txBox="1"/>
+          <p:nvPr/>
+        </p:nvSpPr>
+        <p:spPr>
+          <a:xfrm>
+            <a:off x="2138227" y="2490936"/>
+            <a:ext cx="2470100" cy="369332"/>
+          </a:xfrm>
+          <a:prstGeom prst="rect">
+            <a:avLst/>
+          </a:prstGeom>
+          <a:noFill/>
+        </p:spPr>
+        <p:txBody>
+          <a:bodyPr wrap="none" rtlCol="0">
+            <a:spAutoFit/>
+          </a:bodyPr>
+          <a:lstStyle/>
+          <a:p>
+            <a:r>
+              <a:rPr lang="pt-BR" dirty="0"/>
+              <a:t>T: 0.2, N: 1e5, </a:t>
+            </a:r>
+            <a:r>
+              <a:rPr lang="pt-BR" dirty="0" err="1"/>
+              <a:t>Kmax</a:t>
+            </a:r>
+            <a:r>
+              <a:rPr lang="pt-BR" dirty="0"/>
+              <a:t>: 500</a:t>
+            </a:r>
+          </a:p>
+        </p:txBody>
+      </p:sp>
+      <p:sp>
+        <p:nvSpPr>
+          <p:cNvPr id="31" name="TextBox 30">
+            <a:extLst>
+              <a:ext uri="{FF2B5EF4-FFF2-40B4-BE49-F238E27FC236}">
+                <a16:creationId xmlns:a16="http://schemas.microsoft.com/office/drawing/2014/main" id="{E7F95D40-89DC-9A89-9DA7-60A1F9B35BA9}"/>
+              </a:ext>
+            </a:extLst>
+          </p:cNvPr>
+          <p:cNvSpPr txBox="1"/>
+          <p:nvPr/>
+        </p:nvSpPr>
+        <p:spPr>
+          <a:xfrm rot="16200000">
+            <a:off x="-54007" y="4171453"/>
+            <a:ext cx="755335" cy="369332"/>
+          </a:xfrm>
+          <a:prstGeom prst="rect">
+            <a:avLst/>
+          </a:prstGeom>
+          <a:noFill/>
+        </p:spPr>
+        <p:txBody>
+          <a:bodyPr wrap="none" rtlCol="0">
+            <a:spAutoFit/>
+          </a:bodyPr>
+          <a:lstStyle/>
+          <a:p>
+            <a:r>
+              <a:rPr lang="pt-BR" dirty="0"/>
+              <a:t>Custo</a:t>
+            </a:r>
+          </a:p>
+        </p:txBody>
+      </p:sp>
+      <p:sp>
+        <p:nvSpPr>
+          <p:cNvPr id="32" name="TextBox 31">
+            <a:extLst>
+              <a:ext uri="{FF2B5EF4-FFF2-40B4-BE49-F238E27FC236}">
+                <a16:creationId xmlns:a16="http://schemas.microsoft.com/office/drawing/2014/main" id="{D5501F96-8589-2D22-2897-98F958874C1A}"/>
+              </a:ext>
+            </a:extLst>
+          </p:cNvPr>
+          <p:cNvSpPr txBox="1"/>
+          <p:nvPr/>
+        </p:nvSpPr>
+        <p:spPr>
+          <a:xfrm>
+            <a:off x="2850537" y="5852020"/>
+            <a:ext cx="1045479" cy="369332"/>
+          </a:xfrm>
+          <a:prstGeom prst="rect">
+            <a:avLst/>
+          </a:prstGeom>
+          <a:noFill/>
+        </p:spPr>
+        <p:txBody>
+          <a:bodyPr wrap="none" rtlCol="0">
+            <a:spAutoFit/>
+          </a:bodyPr>
+          <a:lstStyle/>
+          <a:p>
+            <a:r>
+              <a:rPr lang="pt-BR" dirty="0"/>
+              <a:t>Iterações</a:t>
+            </a:r>
+          </a:p>
+        </p:txBody>
+      </p:sp>
+      <p:sp>
+        <p:nvSpPr>
+          <p:cNvPr id="15" name="Oval 14">
+            <a:extLst>
+              <a:ext uri="{FF2B5EF4-FFF2-40B4-BE49-F238E27FC236}">
+                <a16:creationId xmlns:a16="http://schemas.microsoft.com/office/drawing/2014/main" id="{6FD3C67B-2A2A-5E36-2092-89EF1A95B5AE}"/>
+              </a:ext>
+            </a:extLst>
+          </p:cNvPr>
+          <p:cNvSpPr/>
+          <p:nvPr/>
+        </p:nvSpPr>
+        <p:spPr>
+          <a:xfrm>
+            <a:off x="8075374" y="4219662"/>
+            <a:ext cx="816956" cy="755336"/>
+          </a:xfrm>
+          <a:prstGeom prst="ellipse">
+            <a:avLst/>
+          </a:prstGeom>
+          <a:noFill/>
+          <a:ln w="57150" cap="flat" cmpd="sng" algn="ctr">
+            <a:solidFill>
+              <a:schemeClr val="accent1"/>
+            </a:solidFill>
+            <a:prstDash val="solid"/>
+            <a:round/>
+            <a:headEnd type="none" w="med" len="med"/>
+            <a:tailEnd type="none" w="med" len="med"/>
+          </a:ln>
+        </p:spPr>
+        <p:style>
+          <a:lnRef idx="0">
+            <a:scrgbClr r="0" g="0" b="0"/>
+          </a:lnRef>
+          <a:fillRef idx="0">
+            <a:scrgbClr r="0" g="0" b="0"/>
+          </a:fillRef>
+          <a:effectRef idx="0">
+            <a:scrgbClr r="0" g="0" b="0"/>
+          </a:effectRef>
+          <a:fontRef idx="minor">
+            <a:schemeClr val="accent1"/>
+          </a:fontRef>
+        </p:style>
+        <p:txBody>
+          <a:bodyPr rtlCol="0" anchor="ctr"/>
+          <a:lstStyle/>
+          <a:p>
+            <a:pPr algn="ctr"/>
+            <a:endParaRPr lang="pt-BR"/>
+          </a:p>
+        </p:txBody>
+      </p:sp>
+      <p:pic>
+        <p:nvPicPr>
+          <p:cNvPr id="21" name="Picture 20">
+            <a:extLst>
+              <a:ext uri="{FF2B5EF4-FFF2-40B4-BE49-F238E27FC236}">
+                <a16:creationId xmlns:a16="http://schemas.microsoft.com/office/drawing/2014/main" id="{2977269B-97B3-81B7-DB40-42771B5240A2}"/>
+              </a:ext>
+            </a:extLst>
+          </p:cNvPr>
+          <p:cNvPicPr>
+            <a:picLocks noChangeAspect="1"/>
+          </p:cNvPicPr>
+          <p:nvPr/>
+        </p:nvPicPr>
+        <p:blipFill>
+          <a:blip r:embed="rId3"/>
+          <a:stretch>
+            <a:fillRect/>
+          </a:stretch>
+        </p:blipFill>
+        <p:spPr>
+          <a:xfrm>
+            <a:off x="581192" y="2964166"/>
+            <a:ext cx="5567816" cy="2783908"/>
+          </a:xfrm>
+          <a:prstGeom prst="rect">
+            <a:avLst/>
+          </a:prstGeom>
+        </p:spPr>
+      </p:pic>
+      <p:sp>
+        <p:nvSpPr>
+          <p:cNvPr id="35" name="Oval 34">
+            <a:extLst>
+              <a:ext uri="{FF2B5EF4-FFF2-40B4-BE49-F238E27FC236}">
+                <a16:creationId xmlns:a16="http://schemas.microsoft.com/office/drawing/2014/main" id="{74E70C0E-01EC-7EA9-2A22-45B1DE24412A}"/>
+              </a:ext>
+            </a:extLst>
+          </p:cNvPr>
+          <p:cNvSpPr/>
+          <p:nvPr/>
+        </p:nvSpPr>
+        <p:spPr>
+          <a:xfrm>
+            <a:off x="3078761" y="4733787"/>
+            <a:ext cx="491506" cy="512218"/>
+          </a:xfrm>
+          <a:prstGeom prst="ellipse">
+            <a:avLst/>
+          </a:prstGeom>
+          <a:noFill/>
+          <a:ln w="57150" cap="flat" cmpd="sng" algn="ctr">
+            <a:solidFill>
+              <a:schemeClr val="accent1"/>
+            </a:solidFill>
+            <a:prstDash val="solid"/>
+            <a:round/>
+            <a:headEnd type="none" w="med" len="med"/>
+            <a:tailEnd type="none" w="med" len="med"/>
+          </a:ln>
+        </p:spPr>
+        <p:style>
+          <a:lnRef idx="0">
+            <a:scrgbClr r="0" g="0" b="0"/>
+          </a:lnRef>
+          <a:fillRef idx="0">
+            <a:scrgbClr r="0" g="0" b="0"/>
+          </a:fillRef>
+          <a:effectRef idx="0">
+            <a:scrgbClr r="0" g="0" b="0"/>
+          </a:effectRef>
+          <a:fontRef idx="minor">
+            <a:schemeClr val="accent1"/>
+          </a:fontRef>
+        </p:style>
+        <p:txBody>
+          <a:bodyPr rtlCol="0" anchor="ctr"/>
+          <a:lstStyle/>
+          <a:p>
+            <a:pPr algn="ctr"/>
+            <a:endParaRPr lang="pt-BR"/>
+          </a:p>
+        </p:txBody>
+      </p:sp>
+    </p:spTree>
+    <p:extLst>
+      <p:ext uri="{BB962C8B-B14F-4D97-AF65-F5344CB8AC3E}">
+        <p14:creationId xmlns:p14="http://schemas.microsoft.com/office/powerpoint/2010/main" val="3131259887"/>
+      </p:ext>
+    </p:extLst>
+  </p:cSld>
+  <p:clrMapOvr>
+    <a:masterClrMapping/>
+  </p:clrMapOvr>
+</p:sld>
+</file>
+
+<file path=ppt/slides/slide4.xml><?xml version="1.0" encoding="utf-8"?>
+<p:sld xmlns:a="http://schemas.openxmlformats.org/drawingml/2006/main" xmlns:r="http://schemas.openxmlformats.org/officeDocument/2006/relationships" xmlns:p="http://schemas.openxmlformats.org/presentationml/2006/main">
+  <p:cSld>
+    <p:spTree>
+      <p:nvGrpSpPr>
+        <p:cNvPr id="1" name=""/>
+        <p:cNvGrpSpPr/>
+        <p:nvPr/>
+      </p:nvGrpSpPr>
+      <p:grpSpPr>
+        <a:xfrm>
+          <a:off x="0" y="0"/>
+          <a:ext cx="0" cy="0"/>
+          <a:chOff x="0" y="0"/>
+          <a:chExt cx="0" cy="0"/>
+        </a:xfrm>
+      </p:grpSpPr>
+      <p:sp>
+        <p:nvSpPr>
+          <p:cNvPr id="4" name="Title 3">
+            <a:extLst>
+              <a:ext uri="{FF2B5EF4-FFF2-40B4-BE49-F238E27FC236}">
+                <a16:creationId xmlns:a16="http://schemas.microsoft.com/office/drawing/2014/main" id="{27345452-4F37-3F1A-3581-26E95354AC92}"/>
+              </a:ext>
+            </a:extLst>
+          </p:cNvPr>
+          <p:cNvSpPr>
+            <a:spLocks noGrp="1"/>
+          </p:cNvSpPr>
+          <p:nvPr>
+            <p:ph type="title"/>
+          </p:nvPr>
+        </p:nvSpPr>
+        <p:spPr/>
+        <p:txBody>
+          <a:bodyPr>
+            <a:normAutofit/>
+          </a:bodyPr>
+          <a:lstStyle/>
+          <a:p>
+            <a:r>
+              <a:rPr lang="pt-BR" sz="3600" cap="none" dirty="0"/>
+              <a:t>Começar sempre pela mesma cidade? Melhor não.</a:t>
+            </a:r>
+            <a:endParaRPr lang="pt-BR" sz="3600" dirty="0"/>
+          </a:p>
+        </p:txBody>
+      </p:sp>
+      <p:sp>
+        <p:nvSpPr>
+          <p:cNvPr id="2" name="TextBox 1">
+            <a:extLst>
+              <a:ext uri="{FF2B5EF4-FFF2-40B4-BE49-F238E27FC236}">
+                <a16:creationId xmlns:a16="http://schemas.microsoft.com/office/drawing/2014/main" id="{EBA9E121-2234-E0C9-4898-2B94D8A9D814}"/>
+              </a:ext>
+            </a:extLst>
+          </p:cNvPr>
+          <p:cNvSpPr txBox="1"/>
+          <p:nvPr/>
+        </p:nvSpPr>
+        <p:spPr>
+          <a:xfrm>
+            <a:off x="5311478" y="1975039"/>
+            <a:ext cx="4209742" cy="523220"/>
+          </a:xfrm>
+          <a:prstGeom prst="rect">
+            <a:avLst/>
+          </a:prstGeom>
+          <a:noFill/>
+        </p:spPr>
+        <p:txBody>
+          <a:bodyPr wrap="none" rtlCol="0">
+            <a:spAutoFit/>
+          </a:bodyPr>
+          <a:lstStyle/>
+          <a:p>
+            <a:r>
+              <a:rPr lang="pt-BR" sz="2800" dirty="0"/>
+              <a:t>Ordem Atual: [1, 6, 2 3, 4, 5]</a:t>
+            </a:r>
+          </a:p>
+        </p:txBody>
+      </p:sp>
+      <p:sp>
+        <p:nvSpPr>
+          <p:cNvPr id="19" name="TextBox 18">
+            <a:extLst>
+              <a:ext uri="{FF2B5EF4-FFF2-40B4-BE49-F238E27FC236}">
+                <a16:creationId xmlns:a16="http://schemas.microsoft.com/office/drawing/2014/main" id="{3B6488E6-3B1A-FAFF-F67C-C2E22BAC2FE9}"/>
+              </a:ext>
+            </a:extLst>
+          </p:cNvPr>
+          <p:cNvSpPr txBox="1"/>
+          <p:nvPr/>
+        </p:nvSpPr>
+        <p:spPr>
+          <a:xfrm>
+            <a:off x="4211664" y="2951947"/>
+            <a:ext cx="2987997" cy="954107"/>
+          </a:xfrm>
+          <a:prstGeom prst="rect">
+            <a:avLst/>
+          </a:prstGeom>
+          <a:noFill/>
+        </p:spPr>
+        <p:txBody>
+          <a:bodyPr wrap="none" rtlCol="0">
+            <a:spAutoFit/>
+          </a:bodyPr>
+          <a:lstStyle/>
+          <a:p>
+            <a:r>
+              <a:rPr lang="pt-BR" sz="2800" dirty="0"/>
+              <a:t>Ordem Candidata </a:t>
+            </a:r>
+          </a:p>
+          <a:p>
+            <a:r>
+              <a:rPr lang="pt-BR" sz="2800" dirty="0"/>
+              <a:t>Ideal: [6, 1, 2 3, 4, 5]</a:t>
+            </a:r>
+          </a:p>
+        </p:txBody>
+      </p:sp>
+      <p:sp>
+        <p:nvSpPr>
+          <p:cNvPr id="21" name="TextBox 20">
+            <a:extLst>
+              <a:ext uri="{FF2B5EF4-FFF2-40B4-BE49-F238E27FC236}">
+                <a16:creationId xmlns:a16="http://schemas.microsoft.com/office/drawing/2014/main" id="{EDDDEADB-AEA0-DE90-D9F1-858B7016AC60}"/>
+              </a:ext>
+            </a:extLst>
+          </p:cNvPr>
+          <p:cNvSpPr txBox="1"/>
+          <p:nvPr/>
+        </p:nvSpPr>
+        <p:spPr>
+          <a:xfrm>
+            <a:off x="7416349" y="2951946"/>
+            <a:ext cx="3480953" cy="954107"/>
+          </a:xfrm>
+          <a:prstGeom prst="rect">
+            <a:avLst/>
+          </a:prstGeom>
+          <a:noFill/>
+        </p:spPr>
+        <p:txBody>
+          <a:bodyPr wrap="none" rtlCol="0">
+            <a:spAutoFit/>
+          </a:bodyPr>
+          <a:lstStyle/>
+          <a:p>
+            <a:r>
+              <a:rPr lang="pt-BR" sz="2800" dirty="0"/>
+              <a:t>Ordem Candidata </a:t>
+            </a:r>
+          </a:p>
+          <a:p>
+            <a:r>
+              <a:rPr lang="pt-BR" sz="2800" dirty="0"/>
+              <a:t>Possível: [1, 2, 6, 3, 4, 5]</a:t>
+            </a:r>
+          </a:p>
+        </p:txBody>
+      </p:sp>
+      <p:cxnSp>
+        <p:nvCxnSpPr>
+          <p:cNvPr id="6" name="Straight Arrow Connector 5">
+            <a:extLst>
+              <a:ext uri="{FF2B5EF4-FFF2-40B4-BE49-F238E27FC236}">
+                <a16:creationId xmlns:a16="http://schemas.microsoft.com/office/drawing/2014/main" id="{E9246043-3C57-7512-9AE6-60A29B8E0964}"/>
+              </a:ext>
+            </a:extLst>
+          </p:cNvPr>
+          <p:cNvCxnSpPr>
+            <a:stCxn id="2" idx="2"/>
+            <a:endCxn id="19" idx="0"/>
+          </p:cNvCxnSpPr>
+          <p:nvPr/>
+        </p:nvCxnSpPr>
+        <p:spPr>
+          <a:xfrm flipH="1">
+            <a:off x="5705663" y="2498259"/>
+            <a:ext cx="1710686" cy="453688"/>
+          </a:xfrm>
+          <a:prstGeom prst="straightConnector1">
+            <a:avLst/>
+          </a:prstGeom>
+          <a:ln w="57150">
+            <a:tailEnd type="triangle"/>
+          </a:ln>
+        </p:spPr>
+        <p:style>
+          <a:lnRef idx="1">
+            <a:schemeClr val="accent1"/>
+          </a:lnRef>
+          <a:fillRef idx="0">
+            <a:schemeClr val="accent1"/>
+          </a:fillRef>
+          <a:effectRef idx="0">
+            <a:schemeClr val="accent1"/>
+          </a:effectRef>
+          <a:fontRef idx="minor">
+            <a:schemeClr val="tx1"/>
+          </a:fontRef>
+        </p:style>
+      </p:cxnSp>
+      <p:cxnSp>
+        <p:nvCxnSpPr>
+          <p:cNvPr id="12" name="Straight Arrow Connector 11">
+            <a:extLst>
+              <a:ext uri="{FF2B5EF4-FFF2-40B4-BE49-F238E27FC236}">
+                <a16:creationId xmlns:a16="http://schemas.microsoft.com/office/drawing/2014/main" id="{5E00E66B-4A90-3D1D-F62A-D390A813E281}"/>
+              </a:ext>
+            </a:extLst>
+          </p:cNvPr>
+          <p:cNvCxnSpPr>
+            <a:stCxn id="2" idx="2"/>
+            <a:endCxn id="21" idx="0"/>
+          </p:cNvCxnSpPr>
+          <p:nvPr/>
+        </p:nvCxnSpPr>
+        <p:spPr>
+          <a:xfrm>
+            <a:off x="7416349" y="2498259"/>
+            <a:ext cx="1740477" cy="453687"/>
+          </a:xfrm>
+          <a:prstGeom prst="straightConnector1">
+            <a:avLst/>
+          </a:prstGeom>
+          <a:ln w="57150">
+            <a:tailEnd type="triangle"/>
+          </a:ln>
+        </p:spPr>
+        <p:style>
+          <a:lnRef idx="1">
+            <a:schemeClr val="accent1"/>
+          </a:lnRef>
+          <a:fillRef idx="0">
+            <a:schemeClr val="accent1"/>
+          </a:fillRef>
+          <a:effectRef idx="0">
+            <a:schemeClr val="accent1"/>
+          </a:effectRef>
+          <a:fontRef idx="minor">
+            <a:schemeClr val="tx1"/>
+          </a:fontRef>
+        </p:style>
+      </p:cxnSp>
+      <p:sp>
+        <p:nvSpPr>
+          <p:cNvPr id="30" name="TextBox 29">
+            <a:extLst>
+              <a:ext uri="{FF2B5EF4-FFF2-40B4-BE49-F238E27FC236}">
+                <a16:creationId xmlns:a16="http://schemas.microsoft.com/office/drawing/2014/main" id="{B1193F02-4DA9-6D83-3743-1664B3A204F9}"/>
+              </a:ext>
+            </a:extLst>
+          </p:cNvPr>
+          <p:cNvSpPr txBox="1"/>
+          <p:nvPr/>
+        </p:nvSpPr>
+        <p:spPr>
+          <a:xfrm>
+            <a:off x="687896" y="2617364"/>
+            <a:ext cx="3313654" cy="3416320"/>
+          </a:xfrm>
+          <a:prstGeom prst="rect">
+            <a:avLst/>
+          </a:prstGeom>
+          <a:noFill/>
+        </p:spPr>
+        <p:txBody>
+          <a:bodyPr wrap="square" rtlCol="0">
+            <a:spAutoFit/>
+          </a:bodyPr>
+          <a:lstStyle/>
+          <a:p>
+            <a:pPr marL="285750" indent="-285750">
+              <a:buFont typeface="Arial" panose="020B0604020202020204" pitchFamily="34" charset="0"/>
+              <a:buChar char="•"/>
+            </a:pPr>
+            <a:r>
+              <a:rPr lang="pt-BR" sz="2400" dirty="0"/>
+              <a:t>Fica mais facilmente preso em mínimos locais</a:t>
+            </a:r>
+          </a:p>
+          <a:p>
+            <a:pPr marL="285750" indent="-285750">
+              <a:buFont typeface="Arial" panose="020B0604020202020204" pitchFamily="34" charset="0"/>
+              <a:buChar char="•"/>
+            </a:pPr>
+            <a:r>
+              <a:rPr lang="pt-BR" sz="2400" dirty="0"/>
+              <a:t>Dependendo de qual cidade estiver fora de ordem, o algoritmo precisa fazer muitas iterações para sair do mínimo local</a:t>
+            </a:r>
+          </a:p>
+        </p:txBody>
+      </p:sp>
+      <p:sp>
+        <p:nvSpPr>
+          <p:cNvPr id="31" name="TextBox 30">
+            <a:extLst>
+              <a:ext uri="{FF2B5EF4-FFF2-40B4-BE49-F238E27FC236}">
+                <a16:creationId xmlns:a16="http://schemas.microsoft.com/office/drawing/2014/main" id="{3AE81FD7-C8F4-892F-082D-290372847FF0}"/>
+              </a:ext>
+            </a:extLst>
+          </p:cNvPr>
+          <p:cNvSpPr txBox="1"/>
+          <p:nvPr/>
+        </p:nvSpPr>
+        <p:spPr>
+          <a:xfrm>
+            <a:off x="7187191" y="4694919"/>
+            <a:ext cx="3943644" cy="1815882"/>
+          </a:xfrm>
+          <a:prstGeom prst="rect">
+            <a:avLst/>
+          </a:prstGeom>
+          <a:noFill/>
+        </p:spPr>
+        <p:txBody>
+          <a:bodyPr wrap="none" rtlCol="0">
+            <a:spAutoFit/>
+          </a:bodyPr>
+          <a:lstStyle/>
+          <a:p>
+            <a:pPr algn="ctr"/>
+            <a:r>
+              <a:rPr lang="pt-BR" sz="2800" dirty="0"/>
+              <a:t>Possível lista de iterações:</a:t>
+            </a:r>
+          </a:p>
+          <a:p>
+            <a:pPr algn="ctr"/>
+            <a:r>
+              <a:rPr lang="pt-BR" sz="2800" dirty="0"/>
+              <a:t>[1, 2, 6 3, 4, 5]</a:t>
+            </a:r>
+          </a:p>
+          <a:p>
+            <a:pPr algn="ctr"/>
+            <a:r>
+              <a:rPr lang="pt-BR" sz="2800" dirty="0"/>
+              <a:t>[1, 2, 3, 6, 4, 5]</a:t>
+            </a:r>
+          </a:p>
+          <a:p>
+            <a:pPr algn="ctr"/>
+            <a:r>
+              <a:rPr lang="pt-BR" sz="2800" dirty="0"/>
+              <a:t>[1, 2, 3, 4, 6, 5]</a:t>
+            </a:r>
+          </a:p>
+        </p:txBody>
+      </p:sp>
+      <p:cxnSp>
+        <p:nvCxnSpPr>
+          <p:cNvPr id="33" name="Straight Arrow Connector 32">
+            <a:extLst>
+              <a:ext uri="{FF2B5EF4-FFF2-40B4-BE49-F238E27FC236}">
+                <a16:creationId xmlns:a16="http://schemas.microsoft.com/office/drawing/2014/main" id="{22CDF7A7-C6D4-2A86-8DB3-879BB7170793}"/>
+              </a:ext>
+            </a:extLst>
+          </p:cNvPr>
+          <p:cNvCxnSpPr>
+            <a:stCxn id="21" idx="2"/>
+            <a:endCxn id="31" idx="0"/>
+          </p:cNvCxnSpPr>
+          <p:nvPr/>
+        </p:nvCxnSpPr>
+        <p:spPr>
+          <a:xfrm>
+            <a:off x="9156826" y="3906053"/>
+            <a:ext cx="2187" cy="788866"/>
+          </a:xfrm>
+          <a:prstGeom prst="straightConnector1">
+            <a:avLst/>
+          </a:prstGeom>
+          <a:ln w="57150">
+            <a:tailEnd type="triangle"/>
+          </a:ln>
+        </p:spPr>
+        <p:style>
+          <a:lnRef idx="1">
+            <a:schemeClr val="accent1"/>
+          </a:lnRef>
+          <a:fillRef idx="0">
+            <a:schemeClr val="accent1"/>
+          </a:fillRef>
+          <a:effectRef idx="0">
+            <a:schemeClr val="accent1"/>
+          </a:effectRef>
+          <a:fontRef idx="minor">
+            <a:schemeClr val="tx1"/>
+          </a:fontRef>
+        </p:style>
+      </p:cxnSp>
+    </p:spTree>
+    <p:extLst>
+      <p:ext uri="{BB962C8B-B14F-4D97-AF65-F5344CB8AC3E}">
+        <p14:creationId xmlns:p14="http://schemas.microsoft.com/office/powerpoint/2010/main" val="1686951155"/>
+      </p:ext>
+    </p:extLst>
+  </p:cSld>
+  <p:clrMapOvr>
+    <a:masterClrMapping/>
+  </p:clrMapOvr>
+</p:sld>
+</file>
+
+<file path=ppt/slides/slide5.xml><?xml version="1.0" encoding="utf-8"?>
+<p:sld xmlns:a="http://schemas.openxmlformats.org/drawingml/2006/main" xmlns:r="http://schemas.openxmlformats.org/officeDocument/2006/relationships" xmlns:p="http://schemas.openxmlformats.org/presentationml/2006/main">
+  <p:cSld>
+    <p:spTree>
+      <p:nvGrpSpPr>
+        <p:cNvPr id="1" name=""/>
+        <p:cNvGrpSpPr/>
+        <p:nvPr/>
+      </p:nvGrpSpPr>
+      <p:grpSpPr>
+        <a:xfrm>
+          <a:off x="0" y="0"/>
+          <a:ext cx="0" cy="0"/>
+          <a:chOff x="0" y="0"/>
+          <a:chExt cx="0" cy="0"/>
+        </a:xfrm>
+      </p:grpSpPr>
+      <p:sp>
+        <p:nvSpPr>
+          <p:cNvPr id="4" name="Title 3">
+            <a:extLst>
+              <a:ext uri="{FF2B5EF4-FFF2-40B4-BE49-F238E27FC236}">
+                <a16:creationId xmlns:a16="http://schemas.microsoft.com/office/drawing/2014/main" id="{27345452-4F37-3F1A-3581-26E95354AC92}"/>
+              </a:ext>
+            </a:extLst>
+          </p:cNvPr>
+          <p:cNvSpPr>
+            <a:spLocks noGrp="1"/>
+          </p:cNvSpPr>
+          <p:nvPr>
+            <p:ph type="title"/>
+          </p:nvPr>
+        </p:nvSpPr>
+        <p:spPr/>
+        <p:txBody>
+          <a:bodyPr>
+            <a:normAutofit/>
+          </a:bodyPr>
+          <a:lstStyle/>
+          <a:p>
+            <a:r>
+              <a:rPr lang="pt-BR" sz="3600" cap="none" dirty="0"/>
+              <a:t>Resultados Finais</a:t>
             </a:r>
             <a:endParaRPr lang="pt-BR" sz="3600" dirty="0"/>
           </a:p>
@@ -4731,14 +5377,14 @@
           <p:nvPr>
             <p:extLst>
               <p:ext uri="{D42A27DB-BD31-4B8C-83A1-F6EECF244321}">
-                <p14:modId xmlns:p14="http://schemas.microsoft.com/office/powerpoint/2010/main" val="563328886"/>
+                <p14:modId xmlns:p14="http://schemas.microsoft.com/office/powerpoint/2010/main" val="2383767589"/>
               </p:ext>
             </p:extLst>
           </p:nvPr>
         </p:nvGraphicFramePr>
         <p:xfrm>
-          <a:off x="4658775" y="2273416"/>
-          <a:ext cx="6719494" cy="4079240"/>
+          <a:off x="4131740" y="2338160"/>
+          <a:ext cx="5998131" cy="3605396"/>
         </p:xfrm>
         <a:graphic>
           <a:graphicData uri="http://schemas.openxmlformats.org/drawingml/2006/table">
@@ -4747,28 +5393,28 @@
                 <a:tableStyleId>{5C22544A-7EE6-4342-B048-85BDC9FD1C3A}</a:tableStyleId>
               </a:tblPr>
               <a:tblGrid>
-                <a:gridCol w="1088572">
+                <a:gridCol w="1188114">
                   <a:extLst>
                     <a:ext uri="{9D8B030D-6E8A-4147-A177-3AD203B41FA5}">
                       <a16:colId xmlns:a16="http://schemas.microsoft.com/office/drawing/2014/main" val="529986207"/>
                     </a:ext>
                   </a:extLst>
                 </a:gridCol>
-                <a:gridCol w="1451429">
+                <a:gridCol w="1501630">
                   <a:extLst>
                     <a:ext uri="{9D8B030D-6E8A-4147-A177-3AD203B41FA5}">
                       <a16:colId xmlns:a16="http://schemas.microsoft.com/office/drawing/2014/main" val="2857397997"/>
                     </a:ext>
                   </a:extLst>
                 </a:gridCol>
-                <a:gridCol w="1393371">
+                <a:gridCol w="1803633">
                   <a:extLst>
                     <a:ext uri="{9D8B030D-6E8A-4147-A177-3AD203B41FA5}">
                       <a16:colId xmlns:a16="http://schemas.microsoft.com/office/drawing/2014/main" val="504754985"/>
                     </a:ext>
                   </a:extLst>
                 </a:gridCol>
-                <a:gridCol w="2786122">
+                <a:gridCol w="1504754">
                   <a:extLst>
                     <a:ext uri="{9D8B030D-6E8A-4147-A177-3AD203B41FA5}">
                       <a16:colId xmlns:a16="http://schemas.microsoft.com/office/drawing/2014/main" val="292291039"/>
@@ -4785,158 +5431,6 @@
                       <a:r>
                         <a:rPr lang="pt-BR" dirty="0"/>
                         <a:t>Cidades</a:t>
-                      </a:r>
-                    </a:p>
-                  </a:txBody>
-                  <a:tcPr/>
-                </a:tc>
-                <a:tc>
-                  <a:txBody>
-                    <a:bodyPr/>
-                    <a:lstStyle/>
-                    <a:p>
-                      <a:r>
-                        <a:rPr lang="pt-BR" dirty="0"/>
-                        <a:t>Heurística?</a:t>
-                      </a:r>
-                    </a:p>
-                  </a:txBody>
-                  <a:tcPr/>
-                </a:tc>
-                <a:tc>
-                  <a:txBody>
-                    <a:bodyPr/>
-                    <a:lstStyle/>
-                    <a:p>
-                      <a:r>
-                        <a:rPr lang="pt-BR" dirty="0"/>
-                        <a:t>Tempo (s)</a:t>
-                      </a:r>
-                    </a:p>
-                  </a:txBody>
-                  <a:tcPr/>
-                </a:tc>
-                <a:tc>
-                  <a:txBody>
-                    <a:bodyPr/>
-                    <a:lstStyle/>
-                    <a:p>
-                      <a:r>
-                        <a:rPr lang="pt-BR" dirty="0"/>
-                        <a:t>Parâmetros</a:t>
-                      </a:r>
-                    </a:p>
-                  </a:txBody>
-                  <a:tcPr/>
-                </a:tc>
-                <a:extLst>
-                  <a:ext uri="{0D108BD9-81ED-4DB2-BD59-A6C34878D82A}">
-                    <a16:rowId xmlns:a16="http://schemas.microsoft.com/office/drawing/2014/main" val="3070303575"/>
-                  </a:ext>
-                </a:extLst>
-              </a:tr>
-              <a:tr h="370840">
-                <a:tc>
-                  <a:txBody>
-                    <a:bodyPr/>
-                    <a:lstStyle/>
-                    <a:p>
-                      <a:r>
-                        <a:rPr lang="pt-BR" dirty="0"/>
-                        <a:t>5</a:t>
-                      </a:r>
-                    </a:p>
-                  </a:txBody>
-                  <a:tcPr/>
-                </a:tc>
-                <a:tc>
-                  <a:txBody>
-                    <a:bodyPr/>
-                    <a:lstStyle/>
-                    <a:p>
-                      <a:r>
-                        <a:rPr lang="pt-BR" dirty="0"/>
-                        <a:t>Não</a:t>
-                      </a:r>
-                    </a:p>
-                  </a:txBody>
-                  <a:tcPr/>
-                </a:tc>
-                <a:tc>
-                  <a:txBody>
-                    <a:bodyPr/>
-                    <a:lstStyle/>
-                    <a:p>
-                      <a:r>
-                        <a:rPr lang="pt-BR" dirty="0"/>
-                        <a:t>0.01</a:t>
-                      </a:r>
-                    </a:p>
-                  </a:txBody>
-                  <a:tcPr/>
-                </a:tc>
-                <a:tc>
-                  <a:txBody>
-                    <a:bodyPr/>
-                    <a:lstStyle/>
-                    <a:p>
-                      <a:r>
-                        <a:rPr lang="pt-BR" dirty="0"/>
-                        <a:t>T: 1, N: 1e3, </a:t>
-                      </a:r>
-                      <a:r>
-                        <a:rPr lang="pt-BR" dirty="0" err="1"/>
-                        <a:t>Kmax</a:t>
-                      </a:r>
-                      <a:r>
-                        <a:rPr lang="pt-BR" dirty="0"/>
-                        <a:t>: 10</a:t>
-                      </a:r>
-                    </a:p>
-                  </a:txBody>
-                  <a:tcPr/>
-                </a:tc>
-                <a:extLst>
-                  <a:ext uri="{0D108BD9-81ED-4DB2-BD59-A6C34878D82A}">
-                    <a16:rowId xmlns:a16="http://schemas.microsoft.com/office/drawing/2014/main" val="3432782506"/>
-                  </a:ext>
-                </a:extLst>
-              </a:tr>
-              <a:tr h="370840">
-                <a:tc>
-                  <a:txBody>
-                    <a:bodyPr/>
-                    <a:lstStyle/>
-                    <a:p>
-                      <a:r>
-                        <a:rPr lang="pt-BR" dirty="0"/>
-                        <a:t>5</a:t>
-                      </a:r>
-                    </a:p>
-                  </a:txBody>
-                  <a:tcPr/>
-                </a:tc>
-                <a:tc>
-                  <a:txBody>
-                    <a:bodyPr/>
-                    <a:lstStyle/>
-                    <a:p>
-                      <a:r>
-                        <a:rPr lang="pt-BR" dirty="0"/>
-                        <a:t>Sim</a:t>
-                      </a:r>
-                    </a:p>
-                  </a:txBody>
-                  <a:tcPr/>
-                </a:tc>
-                <a:tc>
-                  <a:txBody>
-                    <a:bodyPr/>
-                    <a:lstStyle/>
-                    <a:p>
-                      <a:r>
-                        <a:rPr lang="pt-BR" dirty="0"/>
-                        <a:t>0.01</a:t>
                       </a:r>
                     </a:p>
                   </a:txBody>
@@ -4966,23 +5460,45 @@
                       </a:pPr>
                       <a:r>
                         <a:rPr lang="pt-BR" dirty="0"/>
-                        <a:t>T: 1, N: 1e3, </a:t>
+                        <a:t>Tempo (s)</a:t>
                       </a:r>
+                    </a:p>
+                    <a:p>
+                      <a:endParaRPr lang="pt-BR" dirty="0"/>
+                    </a:p>
+                  </a:txBody>
+                  <a:tcPr/>
+                </a:tc>
+                <a:tc>
+                  <a:txBody>
+                    <a:bodyPr/>
+                    <a:lstStyle/>
+                    <a:p>
+                      <a:r>
+                        <a:rPr lang="pt-BR" dirty="0"/>
+                        <a:t>Temperaturas</a:t>
+                      </a:r>
+                    </a:p>
+                  </a:txBody>
+                  <a:tcPr/>
+                </a:tc>
+                <a:tc>
+                  <a:txBody>
+                    <a:bodyPr/>
+                    <a:lstStyle/>
+                    <a:p>
                       <a:r>
                         <a:rPr lang="pt-BR" dirty="0" err="1"/>
                         <a:t>Kmax</a:t>
                       </a:r>
-                      <a:r>
-                        <a:rPr lang="pt-BR" dirty="0"/>
-                        <a:t>: 10</a:t>
-                      </a:r>
+                      <a:endParaRPr lang="pt-BR" dirty="0"/>
                     </a:p>
                   </a:txBody>
                   <a:tcPr/>
                 </a:tc>
                 <a:extLst>
                   <a:ext uri="{0D108BD9-81ED-4DB2-BD59-A6C34878D82A}">
-                    <a16:rowId xmlns:a16="http://schemas.microsoft.com/office/drawing/2014/main" val="1158299014"/>
+                    <a16:rowId xmlns:a16="http://schemas.microsoft.com/office/drawing/2014/main" val="3070303575"/>
                   </a:ext>
                 </a:extLst>
               </a:tr>
@@ -4994,7 +5510,7 @@
                     <a:p>
                       <a:r>
                         <a:rPr lang="pt-BR" dirty="0"/>
-                        <a:t>10</a:t>
+                        <a:t>40</a:t>
                       </a:r>
                     </a:p>
                   </a:txBody>
@@ -5007,7 +5523,7 @@
                     <a:p>
                       <a:r>
                         <a:rPr lang="pt-BR" dirty="0"/>
-                        <a:t>Não</a:t>
+                        <a:t>46.9 - 6.1</a:t>
                       </a:r>
                     </a:p>
                   </a:txBody>
@@ -5020,7 +5536,66 @@
                     <a:p>
                       <a:r>
                         <a:rPr lang="pt-BR" dirty="0"/>
-                        <a:t>0.03</a:t>
+                        <a:t>1.0 - 0.8</a:t>
+                      </a:r>
+                    </a:p>
+                  </a:txBody>
+                  <a:tcPr/>
+                </a:tc>
+                <a:tc>
+                  <a:txBody>
+                    <a:bodyPr/>
+                    <a:lstStyle/>
+                    <a:p>
+                      <a:r>
+                        <a:rPr lang="pt-BR" dirty="0"/>
+                        <a:t>30 - 30</a:t>
+                      </a:r>
+                    </a:p>
+                  </a:txBody>
+                  <a:tcPr/>
+                </a:tc>
+                <a:extLst>
+                  <a:ext uri="{0D108BD9-81ED-4DB2-BD59-A6C34878D82A}">
+                    <a16:rowId xmlns:a16="http://schemas.microsoft.com/office/drawing/2014/main" val="3432782506"/>
+                  </a:ext>
+                </a:extLst>
+              </a:tr>
+              <a:tr h="370840">
+                <a:tc>
+                  <a:txBody>
+                    <a:bodyPr/>
+                    <a:lstStyle/>
+                    <a:p>
+                      <a:r>
+                        <a:rPr lang="pt-BR" dirty="0"/>
+                        <a:t>60</a:t>
+                      </a:r>
+                    </a:p>
+                  </a:txBody>
+                  <a:tcPr/>
+                </a:tc>
+                <a:tc>
+                  <a:txBody>
+                    <a:bodyPr/>
+                    <a:lstStyle/>
+                    <a:p>
+                      <a:r>
+                        <a:rPr lang="pt-BR" dirty="0"/>
+                        <a:t>75.6 - 0.71</a:t>
+                      </a:r>
+                    </a:p>
+                  </a:txBody>
+                  <a:tcPr/>
+                </a:tc>
+                <a:tc>
+                  <a:txBody>
+                    <a:bodyPr/>
+                    <a:lstStyle/>
+                    <a:p>
+                      <a:r>
+                        <a:rPr lang="pt-BR" dirty="0"/>
+                        <a:t>0.5 - 0.2</a:t>
                       </a:r>
                     </a:p>
                   </a:txBody>
@@ -5050,15 +5625,7 @@
                       </a:pPr>
                       <a:r>
                         <a:rPr lang="pt-BR" dirty="0"/>
-                        <a:t>T: 1, N: 1e3, </a:t>
-                      </a:r>
-                      <a:r>
-                        <a:rPr lang="pt-BR" dirty="0" err="1"/>
-                        <a:t>Kmax</a:t>
-                      </a:r>
-                      <a:r>
-                        <a:rPr lang="pt-BR" dirty="0"/>
-                        <a:t>: 10</a:t>
+                        <a:t>30 - 30</a:t>
                       </a:r>
                     </a:p>
                   </a:txBody>
@@ -5066,7 +5633,7 @@
                 </a:tc>
                 <a:extLst>
                   <a:ext uri="{0D108BD9-81ED-4DB2-BD59-A6C34878D82A}">
-                    <a16:rowId xmlns:a16="http://schemas.microsoft.com/office/drawing/2014/main" val="1763353274"/>
+                    <a16:rowId xmlns:a16="http://schemas.microsoft.com/office/drawing/2014/main" val="1158299014"/>
                   </a:ext>
                 </a:extLst>
               </a:tr>
@@ -5078,7 +5645,7 @@
                     <a:p>
                       <a:r>
                         <a:rPr lang="pt-BR" dirty="0"/>
-                        <a:t>10</a:t>
+                        <a:t>80</a:t>
                       </a:r>
                     </a:p>
                   </a:txBody>
@@ -5091,7 +5658,7 @@
                     <a:p>
                       <a:r>
                         <a:rPr lang="pt-BR" dirty="0"/>
-                        <a:t>Sim</a:t>
+                        <a:t>0.25 - 38.6</a:t>
                       </a:r>
                     </a:p>
                   </a:txBody>
@@ -5104,7 +5671,7 @@
                     <a:p>
                       <a:r>
                         <a:rPr lang="pt-BR" dirty="0"/>
-                        <a:t>0.05</a:t>
+                        <a:t>0.3 - 0.1</a:t>
                       </a:r>
                     </a:p>
                   </a:txBody>
@@ -5134,15 +5701,7 @@
                       </a:pPr>
                       <a:r>
                         <a:rPr lang="pt-BR" dirty="0"/>
-                        <a:t>T: 1, N: 1e3, </a:t>
-                      </a:r>
-                      <a:r>
-                        <a:rPr lang="pt-BR" dirty="0" err="1"/>
-                        <a:t>Kmax</a:t>
-                      </a:r>
-                      <a:r>
-                        <a:rPr lang="pt-BR" dirty="0"/>
-                        <a:t>: 10</a:t>
+                        <a:t>50 - 100</a:t>
                       </a:r>
                     </a:p>
                   </a:txBody>
@@ -5150,7 +5709,7 @@
                 </a:tc>
                 <a:extLst>
                   <a:ext uri="{0D108BD9-81ED-4DB2-BD59-A6C34878D82A}">
-                    <a16:rowId xmlns:a16="http://schemas.microsoft.com/office/drawing/2014/main" val="908273509"/>
+                    <a16:rowId xmlns:a16="http://schemas.microsoft.com/office/drawing/2014/main" val="1763353274"/>
                   </a:ext>
                 </a:extLst>
               </a:tr>
@@ -5162,7 +5721,7 @@
                     <a:p>
                       <a:r>
                         <a:rPr lang="pt-BR" dirty="0"/>
-                        <a:t>20</a:t>
+                        <a:t>100</a:t>
                       </a:r>
                     </a:p>
                   </a:txBody>
@@ -5175,7 +5734,7 @@
                     <a:p>
                       <a:r>
                         <a:rPr lang="pt-BR" dirty="0"/>
-                        <a:t>Não</a:t>
+                        <a:t>0.62 - 0.58</a:t>
                       </a:r>
                     </a:p>
                   </a:txBody>
@@ -5188,7 +5747,7 @@
                     <a:p>
                       <a:r>
                         <a:rPr lang="pt-BR" dirty="0"/>
-                        <a:t>1.06</a:t>
+                        <a:t>0.3 - 0.3</a:t>
                       </a:r>
                     </a:p>
                   </a:txBody>
@@ -5218,15 +5777,7 @@
                       </a:pPr>
                       <a:r>
                         <a:rPr lang="pt-BR" dirty="0"/>
-                        <a:t>T: 1, N: 1e4, </a:t>
-                      </a:r>
-                      <a:r>
-                        <a:rPr lang="pt-BR" dirty="0" err="1"/>
-                        <a:t>Kmax</a:t>
-                      </a:r>
-                      <a:r>
-                        <a:rPr lang="pt-BR" dirty="0"/>
-                        <a:t>: 30</a:t>
+                        <a:t>50 - 50</a:t>
                       </a:r>
                     </a:p>
                   </a:txBody>
@@ -5234,7 +5785,7 @@
                 </a:tc>
                 <a:extLst>
                   <a:ext uri="{0D108BD9-81ED-4DB2-BD59-A6C34878D82A}">
-                    <a16:rowId xmlns:a16="http://schemas.microsoft.com/office/drawing/2014/main" val="10768717"/>
+                    <a16:rowId xmlns:a16="http://schemas.microsoft.com/office/drawing/2014/main" val="908273509"/>
                   </a:ext>
                 </a:extLst>
               </a:tr>
@@ -5246,7 +5797,7 @@
                     <a:p>
                       <a:r>
                         <a:rPr lang="pt-BR" dirty="0"/>
-                        <a:t>20</a:t>
+                        <a:t>120</a:t>
                       </a:r>
                     </a:p>
                   </a:txBody>
@@ -5259,7 +5810,7 @@
                     <a:p>
                       <a:r>
                         <a:rPr lang="pt-BR" dirty="0"/>
-                        <a:t>Sim</a:t>
+                        <a:t>2.15 - 1.46</a:t>
                       </a:r>
                     </a:p>
                   </a:txBody>
@@ -5272,7 +5823,7 @@
                     <a:p>
                       <a:r>
                         <a:rPr lang="pt-BR" dirty="0"/>
-                        <a:t>0.86</a:t>
+                        <a:t>0.3 - 0.3</a:t>
                       </a:r>
                     </a:p>
                   </a:txBody>
@@ -5302,15 +5853,7 @@
                       </a:pPr>
                       <a:r>
                         <a:rPr lang="pt-BR" dirty="0"/>
-                        <a:t>T: 1, N: 1e4, </a:t>
-                      </a:r>
-                      <a:r>
-                        <a:rPr lang="pt-BR" dirty="0" err="1"/>
-                        <a:t>Kmax</a:t>
-                      </a:r>
-                      <a:r>
-                        <a:rPr lang="pt-BR" dirty="0"/>
-                        <a:t>: 30</a:t>
+                        <a:t>150 - 150</a:t>
                       </a:r>
                     </a:p>
                   </a:txBody>
@@ -5318,11 +5861,11 @@
                 </a:tc>
                 <a:extLst>
                   <a:ext uri="{0D108BD9-81ED-4DB2-BD59-A6C34878D82A}">
-                    <a16:rowId xmlns:a16="http://schemas.microsoft.com/office/drawing/2014/main" val="1352465592"/>
+                    <a16:rowId xmlns:a16="http://schemas.microsoft.com/office/drawing/2014/main" val="10768717"/>
                   </a:ext>
                 </a:extLst>
               </a:tr>
-              <a:tr h="370840">
+              <a:tr h="369436">
                 <a:tc>
                   <a:txBody>
                     <a:bodyPr/>
@@ -5330,7 +5873,7 @@
                     <a:p>
                       <a:r>
                         <a:rPr lang="pt-BR" dirty="0"/>
-                        <a:t>30</a:t>
+                        <a:t>150</a:t>
                       </a:r>
                     </a:p>
                   </a:txBody>
@@ -5343,7 +5886,7 @@
                     <a:p>
                       <a:r>
                         <a:rPr lang="pt-BR" dirty="0"/>
-                        <a:t>Não</a:t>
+                        <a:t>7.35 - 7.08</a:t>
                       </a:r>
                     </a:p>
                   </a:txBody>
@@ -5356,7 +5899,7 @@
                     <a:p>
                       <a:r>
                         <a:rPr lang="pt-BR" dirty="0"/>
-                        <a:t>20.07</a:t>
+                        <a:t>0.3 - 0.3</a:t>
                       </a:r>
                     </a:p>
                   </a:txBody>
@@ -5386,15 +5929,7 @@
                       </a:pPr>
                       <a:r>
                         <a:rPr lang="pt-BR" dirty="0"/>
-                        <a:t>T: 0.8 N: 1e4, </a:t>
-                      </a:r>
-                      <a:r>
-                        <a:rPr lang="pt-BR" dirty="0" err="1"/>
-                        <a:t>Kmax</a:t>
-                      </a:r>
-                      <a:r>
-                        <a:rPr lang="pt-BR" dirty="0"/>
-                        <a:t>: 30</a:t>
+                        <a:t>500 - 500</a:t>
                       </a:r>
                     </a:p>
                   </a:txBody>
@@ -5402,7 +5937,7 @@
                 </a:tc>
                 <a:extLst>
                   <a:ext uri="{0D108BD9-81ED-4DB2-BD59-A6C34878D82A}">
-                    <a16:rowId xmlns:a16="http://schemas.microsoft.com/office/drawing/2014/main" val="1918345711"/>
+                    <a16:rowId xmlns:a16="http://schemas.microsoft.com/office/drawing/2014/main" val="1352465592"/>
                   </a:ext>
                 </a:extLst>
               </a:tr>
@@ -5414,33 +5949,7 @@
                     <a:p>
                       <a:r>
                         <a:rPr lang="pt-BR" dirty="0"/>
-                        <a:t>30</a:t>
-                      </a:r>
-                    </a:p>
-                  </a:txBody>
-                  <a:tcPr/>
-                </a:tc>
-                <a:tc>
-                  <a:txBody>
-                    <a:bodyPr/>
-                    <a:lstStyle/>
-                    <a:p>
-                      <a:r>
-                        <a:rPr lang="pt-BR" dirty="0"/>
-                        <a:t>Sim</a:t>
-                      </a:r>
-                    </a:p>
-                  </a:txBody>
-                  <a:tcPr/>
-                </a:tc>
-                <a:tc>
-                  <a:txBody>
-                    <a:bodyPr/>
-                    <a:lstStyle/>
-                    <a:p>
-                      <a:r>
-                        <a:rPr lang="pt-BR" dirty="0"/>
-                        <a:t>60.04</a:t>
+                        <a:t>200</a:t>
                       </a:r>
                     </a:p>
                   </a:txBody>
@@ -5470,35 +5979,7 @@
                       </a:pPr>
                       <a:r>
                         <a:rPr lang="pt-BR" dirty="0"/>
-                        <a:t>T: 1.2 N: 1e5, </a:t>
-                      </a:r>
-                      <a:r>
-                        <a:rPr lang="pt-BR" dirty="0" err="1"/>
-                        <a:t>Kmax</a:t>
-                      </a:r>
-                      <a:r>
-                        <a:rPr lang="pt-BR" dirty="0"/>
-                        <a:t>: 40</a:t>
-                      </a:r>
-                    </a:p>
-                  </a:txBody>
-                  <a:tcPr/>
-                </a:tc>
-                <a:extLst>
-                  <a:ext uri="{0D108BD9-81ED-4DB2-BD59-A6C34878D82A}">
-                    <a16:rowId xmlns:a16="http://schemas.microsoft.com/office/drawing/2014/main" val="3729456271"/>
-                  </a:ext>
-                </a:extLst>
-              </a:tr>
-              <a:tr h="370840">
-                <a:tc>
-                  <a:txBody>
-                    <a:bodyPr/>
-                    <a:lstStyle/>
-                    <a:p>
-                      <a:r>
-                        <a:rPr lang="pt-BR" dirty="0"/>
-                        <a:t>40</a:t>
+                        <a:t>10.59</a:t>
                       </a:r>
                     </a:p>
                   </a:txBody>
@@ -5511,20 +5992,7 @@
                     <a:p>
                       <a:r>
                         <a:rPr lang="pt-BR" dirty="0"/>
-                        <a:t>Não</a:t>
-                      </a:r>
-                    </a:p>
-                  </a:txBody>
-                  <a:tcPr/>
-                </a:tc>
-                <a:tc>
-                  <a:txBody>
-                    <a:bodyPr/>
-                    <a:lstStyle/>
-                    <a:p>
-                      <a:r>
-                        <a:rPr lang="pt-BR" dirty="0"/>
-                        <a:t>30.82</a:t>
+                        <a:t>0.2</a:t>
                       </a:r>
                     </a:p>
                   </a:txBody>
@@ -5554,15 +6022,7 @@
                       </a:pPr>
                       <a:r>
                         <a:rPr lang="pt-BR" dirty="0"/>
-                        <a:t>T: 0.7 N: 1e5, </a:t>
-                      </a:r>
-                      <a:r>
-                        <a:rPr lang="pt-BR" dirty="0" err="1"/>
-                        <a:t>Kmax</a:t>
-                      </a:r>
-                      <a:r>
-                        <a:rPr lang="pt-BR" dirty="0"/>
-                        <a:t>: 30</a:t>
+                        <a:t>500</a:t>
                       </a:r>
                     </a:p>
                   </a:txBody>
@@ -5570,7 +6030,7 @@
                 </a:tc>
                 <a:extLst>
                   <a:ext uri="{0D108BD9-81ED-4DB2-BD59-A6C34878D82A}">
-                    <a16:rowId xmlns:a16="http://schemas.microsoft.com/office/drawing/2014/main" val="384430620"/>
+                    <a16:rowId xmlns:a16="http://schemas.microsoft.com/office/drawing/2014/main" val="1918345711"/>
                   </a:ext>
                 </a:extLst>
               </a:tr>
@@ -5582,7 +6042,7 @@
                     <a:p>
                       <a:r>
                         <a:rPr lang="pt-BR" dirty="0"/>
-                        <a:t>40</a:t>
+                        <a:t>250</a:t>
                       </a:r>
                     </a:p>
                   </a:txBody>
@@ -5595,7 +6055,7 @@
                     <a:p>
                       <a:r>
                         <a:rPr lang="pt-BR" dirty="0"/>
-                        <a:t>Sim</a:t>
+                        <a:t>58.7</a:t>
                       </a:r>
                     </a:p>
                   </a:txBody>
@@ -5608,7 +6068,7 @@
                     <a:p>
                       <a:r>
                         <a:rPr lang="pt-BR" dirty="0"/>
-                        <a:t>11.74</a:t>
+                        <a:t>0.2</a:t>
                       </a:r>
                     </a:p>
                   </a:txBody>
@@ -5638,15 +6098,7 @@
                       </a:pPr>
                       <a:r>
                         <a:rPr lang="pt-BR" dirty="0"/>
-                        <a:t>T: 0.4 N: 1e5, </a:t>
-                      </a:r>
-                      <a:r>
-                        <a:rPr lang="pt-BR" dirty="0" err="1"/>
-                        <a:t>Kmax</a:t>
-                      </a:r>
-                      <a:r>
-                        <a:rPr lang="pt-BR" dirty="0"/>
-                        <a:t>: 30</a:t>
+                        <a:t>2000</a:t>
                       </a:r>
                     </a:p>
                   </a:txBody>
@@ -5654,7 +6106,7 @@
                 </a:tc>
                 <a:extLst>
                   <a:ext uri="{0D108BD9-81ED-4DB2-BD59-A6C34878D82A}">
-                    <a16:rowId xmlns:a16="http://schemas.microsoft.com/office/drawing/2014/main" val="3456854558"/>
+                    <a16:rowId xmlns:a16="http://schemas.microsoft.com/office/drawing/2014/main" val="3729456271"/>
                   </a:ext>
                 </a:extLst>
               </a:tr>
@@ -5677,7 +6129,7 @@
         <p:spPr>
           <a:xfrm>
             <a:off x="687896" y="2617364"/>
-            <a:ext cx="3783436" cy="1200329"/>
+            <a:ext cx="3313654" cy="3046988"/>
           </a:xfrm>
           <a:prstGeom prst="rect">
             <a:avLst/>
@@ -5696,15 +6148,226 @@
             </a:pPr>
             <a:r>
               <a:rPr lang="pt-BR" sz="2400" dirty="0"/>
-              <a:t>Comparação de desempenho entre casos de </a:t>
+              <a:t>10 </a:t>
+            </a:r>
+            <a:r>
+              <a:rPr lang="pt-BR" sz="2400" dirty="0" err="1"/>
+              <a:t>seeds</a:t>
+            </a:r>
+            <a:r>
+              <a:rPr lang="pt-BR" sz="2400" dirty="0"/>
+              <a:t> por iteração</a:t>
+            </a:r>
+          </a:p>
+          <a:p>
+            <a:pPr marL="285750" indent="-285750">
+              <a:buFont typeface="Arial" panose="020B0604020202020204" pitchFamily="34" charset="0"/>
+              <a:buChar char="•"/>
+            </a:pPr>
+            <a:r>
+              <a:rPr lang="pt-BR" sz="2400" dirty="0"/>
+              <a:t>Variar T no intervalo [0.1, 1]</a:t>
+            </a:r>
+          </a:p>
+          <a:p>
+            <a:pPr marL="285750" indent="-285750">
+              <a:buFont typeface="Arial" panose="020B0604020202020204" pitchFamily="34" charset="0"/>
+              <a:buChar char="•"/>
+            </a:pPr>
+            <a:r>
+              <a:rPr lang="pt-BR" sz="2400" dirty="0"/>
+              <a:t>Aumentar </a:t>
+            </a:r>
+            <a:r>
+              <a:rPr lang="pt-BR" sz="2400" dirty="0" err="1"/>
+              <a:t>Kmax</a:t>
+            </a:r>
+            <a:r>
+              <a:rPr lang="pt-BR" sz="2400" dirty="0"/>
+              <a:t> caso necessário</a:t>
+            </a:r>
+          </a:p>
+          <a:p>
+            <a:pPr marL="285750" indent="-285750">
+              <a:buFont typeface="Arial" panose="020B0604020202020204" pitchFamily="34" charset="0"/>
+              <a:buChar char="•"/>
+            </a:pPr>
+            <a:r>
+              <a:rPr lang="pt-BR" sz="2400" dirty="0"/>
+              <a:t>Aumentar número de cidades ao encontrar </a:t>
             </a:r>
             <a:r>
               <a:rPr lang="pt-BR" sz="2400" dirty="0" err="1"/>
               <a:t>Jótimo</a:t>
             </a:r>
-            <a:r>
-              <a:rPr lang="pt-BR" sz="2400" dirty="0"/>
-              <a:t> </a:t>
+            <a:endParaRPr lang="pt-BR" sz="2400" dirty="0"/>
+          </a:p>
+        </p:txBody>
+      </p:sp>
+      <p:cxnSp>
+        <p:nvCxnSpPr>
+          <p:cNvPr id="5" name="Straight Arrow Connector 4">
+            <a:extLst>
+              <a:ext uri="{FF2B5EF4-FFF2-40B4-BE49-F238E27FC236}">
+                <a16:creationId xmlns:a16="http://schemas.microsoft.com/office/drawing/2014/main" id="{962BCDD5-AF85-E88C-8A93-D8E7AE88DA1B}"/>
+              </a:ext>
+            </a:extLst>
+          </p:cNvPr>
+          <p:cNvCxnSpPr>
+            <a:cxnSpLocks/>
+          </p:cNvCxnSpPr>
+          <p:nvPr/>
+        </p:nvCxnSpPr>
+        <p:spPr>
+          <a:xfrm flipH="1">
+            <a:off x="10396754" y="3514987"/>
+            <a:ext cx="450211" cy="0"/>
+          </a:xfrm>
+          <a:prstGeom prst="straightConnector1">
+            <a:avLst/>
+          </a:prstGeom>
+          <a:ln w="57150">
+            <a:tailEnd type="triangle"/>
+          </a:ln>
+        </p:spPr>
+        <p:style>
+          <a:lnRef idx="1">
+            <a:schemeClr val="accent1"/>
+          </a:lnRef>
+          <a:fillRef idx="0">
+            <a:schemeClr val="accent1"/>
+          </a:fillRef>
+          <a:effectRef idx="0">
+            <a:schemeClr val="accent1"/>
+          </a:effectRef>
+          <a:fontRef idx="minor">
+            <a:schemeClr val="tx1"/>
+          </a:fontRef>
+        </p:style>
+      </p:cxnSp>
+      <p:sp>
+        <p:nvSpPr>
+          <p:cNvPr id="7" name="TextBox 6">
+            <a:extLst>
+              <a:ext uri="{FF2B5EF4-FFF2-40B4-BE49-F238E27FC236}">
+                <a16:creationId xmlns:a16="http://schemas.microsoft.com/office/drawing/2014/main" id="{F6B44C60-A7AF-C900-B27A-5BFF8A0C02DA}"/>
+              </a:ext>
+            </a:extLst>
+          </p:cNvPr>
+          <p:cNvSpPr txBox="1"/>
+          <p:nvPr/>
+        </p:nvSpPr>
+        <p:spPr>
+          <a:xfrm>
+            <a:off x="10260061" y="2782669"/>
+            <a:ext cx="1931939" cy="646331"/>
+          </a:xfrm>
+          <a:prstGeom prst="rect">
+            <a:avLst/>
+          </a:prstGeom>
+          <a:noFill/>
+        </p:spPr>
+        <p:txBody>
+          <a:bodyPr wrap="none" rtlCol="0">
+            <a:spAutoFit/>
+          </a:bodyPr>
+          <a:lstStyle/>
+          <a:p>
+            <a:pPr algn="ctr"/>
+            <a:r>
+              <a:rPr lang="pt-BR" dirty="0"/>
+              <a:t>Fixando a Primeira</a:t>
+            </a:r>
+          </a:p>
+          <a:p>
+            <a:pPr algn="ctr"/>
+            <a:r>
+              <a:rPr lang="pt-BR" dirty="0"/>
+              <a:t>Cidade</a:t>
+            </a:r>
+          </a:p>
+        </p:txBody>
+      </p:sp>
+      <p:cxnSp>
+        <p:nvCxnSpPr>
+          <p:cNvPr id="9" name="Straight Arrow Connector 8">
+            <a:extLst>
+              <a:ext uri="{FF2B5EF4-FFF2-40B4-BE49-F238E27FC236}">
+                <a16:creationId xmlns:a16="http://schemas.microsoft.com/office/drawing/2014/main" id="{46B5E61C-7E9B-9A6D-BB3E-D3687466881B}"/>
+              </a:ext>
+            </a:extLst>
+          </p:cNvPr>
+          <p:cNvCxnSpPr>
+            <a:cxnSpLocks/>
+          </p:cNvCxnSpPr>
+          <p:nvPr/>
+        </p:nvCxnSpPr>
+        <p:spPr>
+          <a:xfrm flipH="1">
+            <a:off x="10378903" y="4271394"/>
+            <a:ext cx="450211" cy="0"/>
+          </a:xfrm>
+          <a:prstGeom prst="straightConnector1">
+            <a:avLst/>
+          </a:prstGeom>
+          <a:ln w="57150">
+            <a:tailEnd type="triangle"/>
+          </a:ln>
+        </p:spPr>
+        <p:style>
+          <a:lnRef idx="1">
+            <a:schemeClr val="accent1"/>
+          </a:lnRef>
+          <a:fillRef idx="0">
+            <a:schemeClr val="accent1"/>
+          </a:fillRef>
+          <a:effectRef idx="0">
+            <a:schemeClr val="accent1"/>
+          </a:effectRef>
+          <a:fontRef idx="minor">
+            <a:schemeClr val="tx1"/>
+          </a:fontRef>
+        </p:style>
+      </p:cxnSp>
+      <p:sp>
+        <p:nvSpPr>
+          <p:cNvPr id="10" name="TextBox 9">
+            <a:extLst>
+              <a:ext uri="{FF2B5EF4-FFF2-40B4-BE49-F238E27FC236}">
+                <a16:creationId xmlns:a16="http://schemas.microsoft.com/office/drawing/2014/main" id="{5E8EA5A9-DBE8-47F5-8FF9-CAB01E4C2BFA}"/>
+              </a:ext>
+            </a:extLst>
+          </p:cNvPr>
+          <p:cNvSpPr txBox="1"/>
+          <p:nvPr/>
+        </p:nvSpPr>
+        <p:spPr>
+          <a:xfrm>
+            <a:off x="10621859" y="3635550"/>
+            <a:ext cx="1285928" cy="646331"/>
+          </a:xfrm>
+          <a:prstGeom prst="rect">
+            <a:avLst/>
+          </a:prstGeom>
+          <a:noFill/>
+        </p:spPr>
+        <p:txBody>
+          <a:bodyPr wrap="none" rtlCol="0">
+            <a:spAutoFit/>
+          </a:bodyPr>
+          <a:lstStyle/>
+          <a:p>
+            <a:pPr algn="ctr"/>
+            <a:r>
+              <a:rPr lang="pt-BR" dirty="0"/>
+              <a:t>Otimizando</a:t>
+            </a:r>
+          </a:p>
+          <a:p>
+            <a:pPr algn="ctr"/>
+            <a:r>
+              <a:rPr lang="pt-BR" dirty="0"/>
+              <a:t>Código</a:t>
             </a:r>
           </a:p>
         </p:txBody>
@@ -5713,6 +6376,141 @@
     <p:extLst>
       <p:ext uri="{BB962C8B-B14F-4D97-AF65-F5344CB8AC3E}">
         <p14:creationId xmlns:p14="http://schemas.microsoft.com/office/powerpoint/2010/main" val="3373686301"/>
+      </p:ext>
+    </p:extLst>
+  </p:cSld>
+  <p:clrMapOvr>
+    <a:masterClrMapping/>
+  </p:clrMapOvr>
+</p:sld>
+</file>
+
+<file path=ppt/slides/slide6.xml><?xml version="1.0" encoding="utf-8"?>
+<p:sld xmlns:a="http://schemas.openxmlformats.org/drawingml/2006/main" xmlns:r="http://schemas.openxmlformats.org/officeDocument/2006/relationships" xmlns:p="http://schemas.openxmlformats.org/presentationml/2006/main">
+  <p:cSld>
+    <p:spTree>
+      <p:nvGrpSpPr>
+        <p:cNvPr id="1" name=""/>
+        <p:cNvGrpSpPr/>
+        <p:nvPr/>
+      </p:nvGrpSpPr>
+      <p:grpSpPr>
+        <a:xfrm>
+          <a:off x="0" y="0"/>
+          <a:ext cx="0" cy="0"/>
+          <a:chOff x="0" y="0"/>
+          <a:chExt cx="0" cy="0"/>
+        </a:xfrm>
+      </p:grpSpPr>
+      <p:sp>
+        <p:nvSpPr>
+          <p:cNvPr id="4" name="Title 3">
+            <a:extLst>
+              <a:ext uri="{FF2B5EF4-FFF2-40B4-BE49-F238E27FC236}">
+                <a16:creationId xmlns:a16="http://schemas.microsoft.com/office/drawing/2014/main" id="{27345452-4F37-3F1A-3581-26E95354AC92}"/>
+              </a:ext>
+            </a:extLst>
+          </p:cNvPr>
+          <p:cNvSpPr>
+            <a:spLocks noGrp="1"/>
+          </p:cNvSpPr>
+          <p:nvPr>
+            <p:ph type="title"/>
+          </p:nvPr>
+        </p:nvSpPr>
+        <p:spPr/>
+        <p:txBody>
+          <a:bodyPr>
+            <a:normAutofit/>
+          </a:bodyPr>
+          <a:lstStyle/>
+          <a:p>
+            <a:r>
+              <a:rPr lang="pt-BR" sz="3600" cap="none" dirty="0"/>
+              <a:t>Discussão</a:t>
+            </a:r>
+            <a:endParaRPr lang="pt-BR" sz="3600" dirty="0"/>
+          </a:p>
+        </p:txBody>
+      </p:sp>
+      <p:sp>
+        <p:nvSpPr>
+          <p:cNvPr id="6" name="TextBox 5">
+            <a:extLst>
+              <a:ext uri="{FF2B5EF4-FFF2-40B4-BE49-F238E27FC236}">
+                <a16:creationId xmlns:a16="http://schemas.microsoft.com/office/drawing/2014/main" id="{0A111CB9-66D0-AF8A-5290-C3859153ACDF}"/>
+              </a:ext>
+            </a:extLst>
+          </p:cNvPr>
+          <p:cNvSpPr txBox="1"/>
+          <p:nvPr/>
+        </p:nvSpPr>
+        <p:spPr>
+          <a:xfrm>
+            <a:off x="1015066" y="2667698"/>
+            <a:ext cx="7365536" cy="3108543"/>
+          </a:xfrm>
+          <a:prstGeom prst="rect">
+            <a:avLst/>
+          </a:prstGeom>
+          <a:noFill/>
+        </p:spPr>
+        <p:txBody>
+          <a:bodyPr wrap="square" rtlCol="0">
+            <a:spAutoFit/>
+          </a:bodyPr>
+          <a:lstStyle/>
+          <a:p>
+            <a:pPr marL="285750" indent="-285750">
+              <a:buFont typeface="Arial" panose="020B0604020202020204" pitchFamily="34" charset="0"/>
+              <a:buChar char="•"/>
+            </a:pPr>
+            <a:r>
+              <a:rPr lang="pt-BR" sz="2800" dirty="0"/>
+              <a:t>Objetivo de encontrar o </a:t>
+            </a:r>
+            <a:r>
+              <a:rPr lang="pt-BR" sz="2800" dirty="0" err="1"/>
+              <a:t>Jótimo</a:t>
+            </a:r>
+            <a:r>
+              <a:rPr lang="pt-BR" sz="2800" dirty="0"/>
+              <a:t> pelo menos uma vez:</a:t>
+            </a:r>
+          </a:p>
+          <a:p>
+            <a:pPr marL="742950" lvl="1" indent="-285750">
+              <a:buFont typeface="Arial" panose="020B0604020202020204" pitchFamily="34" charset="0"/>
+              <a:buChar char="•"/>
+            </a:pPr>
+            <a:r>
+              <a:rPr lang="pt-BR" sz="2800" dirty="0"/>
+              <a:t>Usar a heurística é pior (150 com, contra 250 sem)</a:t>
+            </a:r>
+          </a:p>
+          <a:p>
+            <a:pPr marL="742950" lvl="1" indent="-285750">
+              <a:buFont typeface="Arial" panose="020B0604020202020204" pitchFamily="34" charset="0"/>
+              <a:buChar char="•"/>
+            </a:pPr>
+            <a:r>
+              <a:rPr lang="pt-BR" sz="2800" dirty="0"/>
+              <a:t>Não fixar a primeira cidade é melhor (máximo 80)</a:t>
+            </a:r>
+          </a:p>
+          <a:p>
+            <a:pPr marL="742950" lvl="1" indent="-285750">
+              <a:buFont typeface="Arial" panose="020B0604020202020204" pitchFamily="34" charset="0"/>
+              <a:buChar char="•"/>
+            </a:pPr>
+            <a:endParaRPr lang="pt-BR" sz="2800" dirty="0"/>
+          </a:p>
+        </p:txBody>
+      </p:sp>
+    </p:spTree>
+    <p:extLst>
+      <p:ext uri="{BB962C8B-B14F-4D97-AF65-F5344CB8AC3E}">
+        <p14:creationId xmlns:p14="http://schemas.microsoft.com/office/powerpoint/2010/main" val="557631868"/>
       </p:ext>
     </p:extLst>
   </p:cSld>
